--- a/lectures/9/1_Descriptive Statistics.pptx
+++ b/lectures/9/1_Descriptive Statistics.pptx
@@ -5,10 +5,10 @@
     <p:sldMasterId id="2147483648" r:id="rId4"/>
   </p:sldMasterIdLst>
   <p:notesMasterIdLst>
-    <p:notesMasterId r:id="rId21"/>
+    <p:notesMasterId r:id="rId22"/>
   </p:notesMasterIdLst>
   <p:handoutMasterIdLst>
-    <p:handoutMasterId r:id="rId22"/>
+    <p:handoutMasterId r:id="rId23"/>
   </p:handoutMasterIdLst>
   <p:sldIdLst>
     <p:sldId id="271" r:id="rId5"/>
@@ -26,7 +26,8 @@
     <p:sldId id="268" r:id="rId17"/>
     <p:sldId id="269" r:id="rId18"/>
     <p:sldId id="276" r:id="rId19"/>
-    <p:sldId id="262" r:id="rId20"/>
+    <p:sldId id="277" r:id="rId20"/>
+    <p:sldId id="262" r:id="rId21"/>
   </p:sldIdLst>
   <p:sldSz cx="12192000" cy="6858000"/>
   <p:notesSz cx="6858000" cy="9144000"/>
@@ -230,7 +231,7 @@
           <a:p>
             <a:fld id="{73B2889B-A0AC-4482-8592-5C96F2309420}" type="datetimeFigureOut">
               <a:rPr lang="en-US" smtClean="0"/>
-              <a:t>10/16/2021</a:t>
+              <a:t>10/17/2021</a:t>
             </a:fld>
             <a:endParaRPr lang="en-US"/>
           </a:p>
@@ -407,7 +408,7 @@
           <a:p>
             <a:fld id="{830EB223-FFC0-462A-A3B8-EAA7CE0F8CBD}" type="datetimeFigureOut">
               <a:rPr lang="en-US" smtClean="0"/>
-              <a:t>10/16/2021</a:t>
+              <a:t>10/17/2021</a:t>
             </a:fld>
             <a:endParaRPr lang="en-US" dirty="0"/>
           </a:p>
@@ -840,6 +841,21 @@
           <a:bodyPr/>
           <a:lstStyle/>
           <a:p>
+            <a:r>
+              <a:rPr lang="en-US" dirty="0"/>
+              <a:t>Go over descriptive word doc first </a:t>
+            </a:r>
+          </a:p>
+          <a:p>
+            <a:r>
+              <a:rPr lang="en-US" dirty="0"/>
+              <a:t>Then R script</a:t>
+            </a:r>
+          </a:p>
+          <a:p>
+            <a:endParaRPr lang="en-US" dirty="0"/>
+          </a:p>
+          <a:p>
             <a:pPr marL="0" marR="0" lvl="0" indent="0" algn="l" defTabSz="914400" rtl="0" eaLnBrk="1" fontAlgn="auto" latinLnBrk="0" hangingPunct="1">
               <a:lnSpc>
                 <a:spcPct val="100000"/>
@@ -859,6 +875,198 @@
             </a:pPr>
             <a:r>
               <a:rPr lang="en-US" dirty="0"/>
+              <a:t>Variables are ”elements of a construct that can be measured or quantified” </a:t>
+            </a:r>
+          </a:p>
+          <a:p>
+            <a:pPr marL="0" marR="0" lvl="0" indent="0" algn="l" defTabSz="914400" rtl="0" eaLnBrk="1" fontAlgn="auto" latinLnBrk="0" hangingPunct="1">
+              <a:lnSpc>
+                <a:spcPct val="100000"/>
+              </a:lnSpc>
+              <a:spcBef>
+                <a:spcPts val="0"/>
+              </a:spcBef>
+              <a:spcAft>
+                <a:spcPts val="0"/>
+              </a:spcAft>
+              <a:buClrTx/>
+              <a:buSzTx/>
+              <a:buFontTx/>
+              <a:buNone/>
+              <a:tabLst/>
+              <a:defRPr/>
+            </a:pPr>
+            <a:r>
+              <a:rPr lang="en-US" dirty="0"/>
+              <a:t>Construct is “an abstract idea or concept composed of a set of attitudes or behaviors that are thought be related.”</a:t>
+            </a:r>
+          </a:p>
+          <a:p>
+            <a:endParaRPr lang="en-US" dirty="0"/>
+          </a:p>
+          <a:p>
+            <a:endParaRPr lang="en-US" dirty="0"/>
+          </a:p>
+          <a:p>
+            <a:pPr marL="0" marR="0" lvl="0" indent="0" algn="l" defTabSz="914400" rtl="0" eaLnBrk="1" fontAlgn="auto" latinLnBrk="0" hangingPunct="1">
+              <a:lnSpc>
+                <a:spcPct val="100000"/>
+              </a:lnSpc>
+              <a:spcBef>
+                <a:spcPts val="0"/>
+              </a:spcBef>
+              <a:spcAft>
+                <a:spcPts val="0"/>
+              </a:spcAft>
+              <a:buClrTx/>
+              <a:buSzTx/>
+              <a:buFontTx/>
+              <a:buNone/>
+              <a:tabLst/>
+              <a:defRPr/>
+            </a:pPr>
+            <a:r>
+              <a:rPr lang="en-US" dirty="0"/>
+              <a:t>measurement is amount of information within a variable. </a:t>
+            </a:r>
+          </a:p>
+          <a:p>
+            <a:r>
+              <a:rPr lang="en-US" dirty="0"/>
+              <a:t>Levels of measurement consists of nominal, ordinal, interval, and ratio</a:t>
+            </a:r>
+          </a:p>
+          <a:p>
+            <a:endParaRPr lang="en-US" dirty="0"/>
+          </a:p>
+          <a:p>
+            <a:r>
+              <a:rPr lang="en-US" dirty="0"/>
+              <a:t>Type of research question:</a:t>
+            </a:r>
+          </a:p>
+          <a:p>
+            <a:r>
+              <a:rPr lang="en-US" dirty="0"/>
+              <a:t>Exploratory</a:t>
+            </a:r>
+          </a:p>
+          <a:p>
+            <a:r>
+              <a:rPr lang="en-US" dirty="0"/>
+              <a:t>Descriptive </a:t>
+            </a:r>
+          </a:p>
+          <a:p>
+            <a:r>
+              <a:rPr lang="en-US" dirty="0"/>
+              <a:t>Causal</a:t>
+            </a:r>
+          </a:p>
+          <a:p>
+            <a:endParaRPr lang="en-US" dirty="0"/>
+          </a:p>
+        </p:txBody>
+      </p:sp>
+      <p:sp>
+        <p:nvSpPr>
+          <p:cNvPr id="4" name="Slide Number Placeholder 3"/>
+          <p:cNvSpPr>
+            <a:spLocks noGrp="1"/>
+          </p:cNvSpPr>
+          <p:nvPr>
+            <p:ph type="sldNum" sz="quarter" idx="5"/>
+          </p:nvPr>
+        </p:nvSpPr>
+        <p:spPr/>
+        <p:txBody>
+          <a:bodyPr/>
+          <a:lstStyle/>
+          <a:p>
+            <a:fld id="{BC849E9A-41F7-4779-A581-48A7C374A227}" type="slidenum">
+              <a:rPr lang="en-US" smtClean="0"/>
+              <a:t>16</a:t>
+            </a:fld>
+            <a:endParaRPr lang="en-US" dirty="0"/>
+          </a:p>
+        </p:txBody>
+      </p:sp>
+    </p:spTree>
+    <p:extLst>
+      <p:ext uri="{BB962C8B-B14F-4D97-AF65-F5344CB8AC3E}">
+        <p14:creationId xmlns:p14="http://schemas.microsoft.com/office/powerpoint/2010/main" val="3658907611"/>
+      </p:ext>
+    </p:extLst>
+  </p:cSld>
+  <p:clrMapOvr>
+    <a:masterClrMapping/>
+  </p:clrMapOvr>
+</p:notes>
+</file>
+
+<file path=ppt/notesSlides/notesSlide11.xml><?xml version="1.0" encoding="utf-8"?>
+<p:notes xmlns:a="http://schemas.openxmlformats.org/drawingml/2006/main" xmlns:r="http://schemas.openxmlformats.org/officeDocument/2006/relationships" xmlns:p="http://schemas.openxmlformats.org/presentationml/2006/main">
+  <p:cSld>
+    <p:spTree>
+      <p:nvGrpSpPr>
+        <p:cNvPr id="1" name=""/>
+        <p:cNvGrpSpPr/>
+        <p:nvPr/>
+      </p:nvGrpSpPr>
+      <p:grpSpPr>
+        <a:xfrm>
+          <a:off x="0" y="0"/>
+          <a:ext cx="0" cy="0"/>
+          <a:chOff x="0" y="0"/>
+          <a:chExt cx="0" cy="0"/>
+        </a:xfrm>
+      </p:grpSpPr>
+      <p:sp>
+        <p:nvSpPr>
+          <p:cNvPr id="2" name="Slide Image Placeholder 1"/>
+          <p:cNvSpPr>
+            <a:spLocks noGrp="1" noRot="1" noChangeAspect="1"/>
+          </p:cNvSpPr>
+          <p:nvPr>
+            <p:ph type="sldImg"/>
+          </p:nvPr>
+        </p:nvSpPr>
+        <p:spPr/>
+      </p:sp>
+      <p:sp>
+        <p:nvSpPr>
+          <p:cNvPr id="3" name="Notes Placeholder 2"/>
+          <p:cNvSpPr>
+            <a:spLocks noGrp="1"/>
+          </p:cNvSpPr>
+          <p:nvPr>
+            <p:ph type="body" idx="1"/>
+          </p:nvPr>
+        </p:nvSpPr>
+        <p:spPr/>
+        <p:txBody>
+          <a:bodyPr/>
+          <a:lstStyle/>
+          <a:p>
+            <a:pPr marL="0" marR="0" lvl="0" indent="0" algn="l" defTabSz="914400" rtl="0" eaLnBrk="1" fontAlgn="auto" latinLnBrk="0" hangingPunct="1">
+              <a:lnSpc>
+                <a:spcPct val="100000"/>
+              </a:lnSpc>
+              <a:spcBef>
+                <a:spcPts val="0"/>
+              </a:spcBef>
+              <a:spcAft>
+                <a:spcPts val="0"/>
+              </a:spcAft>
+              <a:buClrTx/>
+              <a:buSzTx/>
+              <a:buFontTx/>
+              <a:buNone/>
+              <a:tabLst/>
+              <a:defRPr/>
+            </a:pPr>
+            <a:r>
+              <a:rPr lang="en-US" dirty="0"/>
               <a:t>http://www.netlogoweb.org/launch#http://www.netlogoweb.org/assets/modelslib/Sample%20Models/Social%20Science/Rumor%20Mill.nlogo</a:t>
             </a:r>
           </a:p>
@@ -990,7 +1198,7 @@
           <a:p>
             <a:fld id="{BC849E9A-41F7-4779-A581-48A7C374A227}" type="slidenum">
               <a:rPr lang="en-US" smtClean="0"/>
-              <a:t>16</a:t>
+              <a:t>17</a:t>
             </a:fld>
             <a:endParaRPr lang="en-US" dirty="0"/>
           </a:p>
@@ -2320,7 +2528,7 @@
           <a:p>
             <a:fld id="{0E2FF94F-CD9E-49B3-97DF-CC86F792D1FA}" type="datetime1">
               <a:rPr lang="en-US" smtClean="0"/>
-              <a:t>10/16/2021</a:t>
+              <a:t>10/17/2021</a:t>
             </a:fld>
             <a:endParaRPr lang="en-US" dirty="0"/>
           </a:p>
@@ -2522,7 +2730,7 @@
           <a:p>
             <a:fld id="{208FA4A2-251C-4EF0-A971-740CC58FCE9C}" type="datetime1">
               <a:rPr lang="en-US" smtClean="0"/>
-              <a:t>10/16/2021</a:t>
+              <a:t>10/17/2021</a:t>
             </a:fld>
             <a:endParaRPr lang="en-US" dirty="0"/>
           </a:p>
@@ -2734,7 +2942,7 @@
           <a:p>
             <a:fld id="{C678EE1E-8FD8-4E71-AB3E-D45737540CD6}" type="datetime1">
               <a:rPr lang="en-US" smtClean="0"/>
-              <a:t>10/16/2021</a:t>
+              <a:t>10/17/2021</a:t>
             </a:fld>
             <a:endParaRPr lang="en-US" dirty="0"/>
           </a:p>
@@ -2936,7 +3144,7 @@
           <a:p>
             <a:fld id="{16F7FEB1-C0EE-4522-8939-30B06393F211}" type="datetime1">
               <a:rPr lang="en-US" smtClean="0"/>
-              <a:t>10/16/2021</a:t>
+              <a:t>10/17/2021</a:t>
             </a:fld>
             <a:endParaRPr lang="en-US" dirty="0"/>
           </a:p>
@@ -3215,7 +3423,7 @@
           <a:p>
             <a:fld id="{B6B6C8D6-ABEC-44A2-9900-FBE34CC20117}" type="datetime1">
               <a:rPr lang="en-US" smtClean="0"/>
-              <a:t>10/16/2021</a:t>
+              <a:t>10/17/2021</a:t>
             </a:fld>
             <a:endParaRPr lang="en-US" dirty="0"/>
           </a:p>
@@ -3484,7 +3692,7 @@
           <a:p>
             <a:fld id="{A22B62C1-A375-4CE1-8027-A44B089026E7}" type="datetime1">
               <a:rPr lang="en-US" smtClean="0"/>
-              <a:t>10/16/2021</a:t>
+              <a:t>10/17/2021</a:t>
             </a:fld>
             <a:endParaRPr lang="en-US" dirty="0"/>
           </a:p>
@@ -3900,7 +4108,7 @@
           <a:p>
             <a:fld id="{2F5126A5-4E55-4EE3-935B-4AA72D21C744}" type="datetime1">
               <a:rPr lang="en-US" smtClean="0"/>
-              <a:t>10/16/2021</a:t>
+              <a:t>10/17/2021</a:t>
             </a:fld>
             <a:endParaRPr lang="en-US" dirty="0"/>
           </a:p>
@@ -4045,7 +4253,7 @@
           <a:p>
             <a:fld id="{D661DE8B-87BE-43B7-BE33-0CE077750BDC}" type="datetime1">
               <a:rPr lang="en-US" smtClean="0"/>
-              <a:t>10/16/2021</a:t>
+              <a:t>10/17/2021</a:t>
             </a:fld>
             <a:endParaRPr lang="en-US" dirty="0"/>
           </a:p>
@@ -4162,7 +4370,7 @@
           <a:p>
             <a:fld id="{B7A65B15-563B-4B3A-A86E-6FF46C24C326}" type="datetime1">
               <a:rPr lang="en-US" smtClean="0"/>
-              <a:t>10/16/2021</a:t>
+              <a:t>10/17/2021</a:t>
             </a:fld>
             <a:endParaRPr lang="en-US" dirty="0"/>
           </a:p>
@@ -4477,7 +4685,7 @@
           <a:p>
             <a:fld id="{E4E48E9E-4E9D-47B4-80E9-DC851FFB3ED2}" type="datetime1">
               <a:rPr lang="en-US" smtClean="0"/>
-              <a:t>10/16/2021</a:t>
+              <a:t>10/17/2021</a:t>
             </a:fld>
             <a:endParaRPr lang="en-US" dirty="0"/>
           </a:p>
@@ -4773,7 +4981,7 @@
           <a:p>
             <a:fld id="{62A96D92-520A-477A-BCC3-9BF5CE968574}" type="datetime1">
               <a:rPr lang="en-US" smtClean="0"/>
-              <a:t>10/16/2021</a:t>
+              <a:t>10/17/2021</a:t>
             </a:fld>
             <a:endParaRPr lang="en-US" dirty="0"/>
           </a:p>
@@ -5018,7 +5226,7 @@
           <a:p>
             <a:fld id="{508B6A8F-6872-4742-B301-1B6EC57DBF39}" type="datetime1">
               <a:rPr lang="en-US" smtClean="0"/>
-              <a:t>10/16/2021</a:t>
+              <a:t>10/17/2021</a:t>
             </a:fld>
             <a:endParaRPr lang="en-US" dirty="0"/>
           </a:p>
@@ -11742,6 +11950,643 @@
           <a:chExt cx="0" cy="0"/>
         </a:xfrm>
       </p:grpSpPr>
+      <p:sp useBgFill="1">
+        <p:nvSpPr>
+          <p:cNvPr id="11" name="Rectangle 10">
+            <a:extLst>
+              <a:ext uri="{FF2B5EF4-FFF2-40B4-BE49-F238E27FC236}">
+                <a16:creationId xmlns:a16="http://schemas.microsoft.com/office/drawing/2014/main" id="{79BB35BC-D5C2-4C8B-A22A-A71E6191913B}"/>
+              </a:ext>
+              <a:ext uri="{C183D7F6-B498-43B3-948B-1728B52AA6E4}">
+                <adec:decorative xmlns:adec="http://schemas.microsoft.com/office/drawing/2017/decorative" val="1"/>
+              </a:ext>
+            </a:extLst>
+          </p:cNvPr>
+          <p:cNvSpPr>
+            <a:spLocks noGrp="1" noRot="1" noChangeAspect="1" noMove="1" noResize="1" noEditPoints="1" noAdjustHandles="1" noChangeArrowheads="1" noChangeShapeType="1" noTextEdit="1"/>
+          </p:cNvSpPr>
+          <p:nvPr>
+            <p:extLst>
+              <p:ext uri="{386F3935-93C4-4BCD-93E2-E3B085C9AB24}">
+                <p16:designElem xmlns:p16="http://schemas.microsoft.com/office/powerpoint/2015/main" val="1"/>
+              </p:ext>
+            </p:extLst>
+          </p:nvPr>
+        </p:nvSpPr>
+        <p:spPr>
+          <a:xfrm>
+            <a:off x="0" y="0"/>
+            <a:ext cx="12188952" cy="6858000"/>
+          </a:xfrm>
+          <a:prstGeom prst="rect">
+            <a:avLst/>
+          </a:prstGeom>
+          <a:ln>
+            <a:noFill/>
+          </a:ln>
+        </p:spPr>
+        <p:style>
+          <a:lnRef idx="2">
+            <a:schemeClr val="accent1">
+              <a:shade val="50000"/>
+            </a:schemeClr>
+          </a:lnRef>
+          <a:fillRef idx="1">
+            <a:schemeClr val="accent1"/>
+          </a:fillRef>
+          <a:effectRef idx="0">
+            <a:schemeClr val="accent1"/>
+          </a:effectRef>
+          <a:fontRef idx="minor">
+            <a:schemeClr val="lt1"/>
+          </a:fontRef>
+        </p:style>
+        <p:txBody>
+          <a:bodyPr rtlCol="0" anchor="ctr"/>
+          <a:lstStyle/>
+          <a:p>
+            <a:pPr algn="ctr"/>
+            <a:endParaRPr lang="en-US"/>
+          </a:p>
+        </p:txBody>
+      </p:sp>
+      <p:sp>
+        <p:nvSpPr>
+          <p:cNvPr id="2" name="Title 1">
+            <a:extLst>
+              <a:ext uri="{FF2B5EF4-FFF2-40B4-BE49-F238E27FC236}">
+                <a16:creationId xmlns:a16="http://schemas.microsoft.com/office/drawing/2014/main" id="{E48C06EA-B84A-4960-AE6F-7C612784EB2F}"/>
+              </a:ext>
+            </a:extLst>
+          </p:cNvPr>
+          <p:cNvSpPr>
+            <a:spLocks noGrp="1"/>
+          </p:cNvSpPr>
+          <p:nvPr>
+            <p:ph type="title"/>
+          </p:nvPr>
+        </p:nvSpPr>
+        <p:spPr>
+          <a:xfrm>
+            <a:off x="6513788" y="365125"/>
+            <a:ext cx="4840010" cy="1807305"/>
+          </a:xfrm>
+        </p:spPr>
+        <p:txBody>
+          <a:bodyPr>
+            <a:normAutofit/>
+          </a:bodyPr>
+          <a:lstStyle/>
+          <a:p>
+            <a:r>
+              <a:rPr lang="en-US" dirty="0"/>
+              <a:t>Lab Session </a:t>
+            </a:r>
+          </a:p>
+        </p:txBody>
+      </p:sp>
+      <p:pic>
+        <p:nvPicPr>
+          <p:cNvPr id="7" name="Picture 6" descr="Computer script on a screen">
+            <a:extLst>
+              <a:ext uri="{FF2B5EF4-FFF2-40B4-BE49-F238E27FC236}">
+                <a16:creationId xmlns:a16="http://schemas.microsoft.com/office/drawing/2014/main" id="{42792FCC-F7FB-4640-9475-1B9687518722}"/>
+              </a:ext>
+            </a:extLst>
+          </p:cNvPr>
+          <p:cNvPicPr>
+            <a:picLocks noChangeAspect="1"/>
+          </p:cNvPicPr>
+          <p:nvPr/>
+        </p:nvPicPr>
+        <p:blipFill rotWithShape="1">
+          <a:blip r:embed="rId3"/>
+          <a:srcRect l="347" r="40119" b="-1"/>
+          <a:stretch/>
+        </p:blipFill>
+        <p:spPr>
+          <a:xfrm>
+            <a:off x="20" y="10"/>
+            <a:ext cx="6116549" cy="6857990"/>
+          </a:xfrm>
+          <a:custGeom>
+            <a:avLst/>
+            <a:gdLst/>
+            <a:ahLst/>
+            <a:cxnLst/>
+            <a:rect l="l" t="t" r="r" b="b"/>
+            <a:pathLst>
+              <a:path w="6116569" h="6879321">
+                <a:moveTo>
+                  <a:pt x="0" y="0"/>
+                </a:moveTo>
+                <a:lnTo>
+                  <a:pt x="2935851" y="0"/>
+                </a:lnTo>
+                <a:cubicBezTo>
+                  <a:pt x="3035710" y="10660"/>
+                  <a:pt x="3138421" y="17767"/>
+                  <a:pt x="3238280" y="31980"/>
+                </a:cubicBezTo>
+                <a:cubicBezTo>
+                  <a:pt x="3817462" y="106602"/>
+                  <a:pt x="3127009" y="277163"/>
+                  <a:pt x="3660541" y="550772"/>
+                </a:cubicBezTo>
+                <a:cubicBezTo>
+                  <a:pt x="3706191" y="575645"/>
+                  <a:pt x="3757546" y="579199"/>
+                  <a:pt x="3808902" y="589860"/>
+                </a:cubicBezTo>
+                <a:cubicBezTo>
+                  <a:pt x="4008620" y="625393"/>
+                  <a:pt x="4211192" y="618286"/>
+                  <a:pt x="4413762" y="625393"/>
+                </a:cubicBezTo>
+                <a:cubicBezTo>
+                  <a:pt x="4465118" y="628946"/>
+                  <a:pt x="4525033" y="625393"/>
+                  <a:pt x="4567830" y="721333"/>
+                </a:cubicBezTo>
+                <a:cubicBezTo>
+                  <a:pt x="4425175" y="724888"/>
+                  <a:pt x="4305344" y="731994"/>
+                  <a:pt x="4171247" y="792401"/>
+                </a:cubicBezTo>
+                <a:cubicBezTo>
+                  <a:pt x="4239722" y="859916"/>
+                  <a:pt x="4322462" y="795955"/>
+                  <a:pt x="4376671" y="842148"/>
+                </a:cubicBezTo>
+                <a:cubicBezTo>
+                  <a:pt x="4428027" y="888342"/>
+                  <a:pt x="4470824" y="891896"/>
+                  <a:pt x="4527887" y="813722"/>
+                </a:cubicBezTo>
+                <a:cubicBezTo>
+                  <a:pt x="4556417" y="774634"/>
+                  <a:pt x="4604920" y="778187"/>
+                  <a:pt x="4633452" y="799508"/>
+                </a:cubicBezTo>
+                <a:cubicBezTo>
+                  <a:pt x="4781813" y="913216"/>
+                  <a:pt x="4778960" y="909662"/>
+                  <a:pt x="4947293" y="870576"/>
+                </a:cubicBezTo>
+                <a:cubicBezTo>
+                  <a:pt x="5055712" y="845701"/>
+                  <a:pt x="5166983" y="806615"/>
+                  <a:pt x="5263988" y="820828"/>
+                </a:cubicBezTo>
+                <a:cubicBezTo>
+                  <a:pt x="5275401" y="867022"/>
+                  <a:pt x="5263988" y="888342"/>
+                  <a:pt x="5249723" y="895449"/>
+                </a:cubicBezTo>
+                <a:cubicBezTo>
+                  <a:pt x="5021475" y="1005604"/>
+                  <a:pt x="4975825" y="1122864"/>
+                  <a:pt x="4744723" y="1197485"/>
+                </a:cubicBezTo>
+                <a:cubicBezTo>
+                  <a:pt x="4724751" y="1268552"/>
+                  <a:pt x="4807491" y="1275660"/>
+                  <a:pt x="4767548" y="1346727"/>
+                </a:cubicBezTo>
+                <a:cubicBezTo>
+                  <a:pt x="4693367" y="1407134"/>
+                  <a:pt x="4610627" y="1346727"/>
+                  <a:pt x="4539299" y="1421348"/>
+                </a:cubicBezTo>
+                <a:cubicBezTo>
+                  <a:pt x="4550712" y="1471094"/>
+                  <a:pt x="4610627" y="1432008"/>
+                  <a:pt x="4607773" y="1485309"/>
+                </a:cubicBezTo>
+                <a:cubicBezTo>
+                  <a:pt x="4604920" y="1517288"/>
+                  <a:pt x="4593508" y="1527948"/>
+                  <a:pt x="4579242" y="1535055"/>
+                </a:cubicBezTo>
+                <a:cubicBezTo>
+                  <a:pt x="4776107" y="1538608"/>
+                  <a:pt x="5383820" y="1574142"/>
+                  <a:pt x="5278255" y="1609676"/>
+                </a:cubicBezTo>
+                <a:cubicBezTo>
+                  <a:pt x="5418057" y="1698511"/>
+                  <a:pt x="5623481" y="1609676"/>
+                  <a:pt x="5771843" y="1630997"/>
+                </a:cubicBezTo>
+                <a:cubicBezTo>
+                  <a:pt x="5925911" y="1652316"/>
+                  <a:pt x="6171278" y="1719830"/>
+                  <a:pt x="6105656" y="1748257"/>
+                </a:cubicBezTo>
+                <a:cubicBezTo>
+                  <a:pt x="6031475" y="1780238"/>
+                  <a:pt x="5766136" y="2146235"/>
+                  <a:pt x="5691955" y="2167555"/>
+                </a:cubicBezTo>
+                <a:cubicBezTo>
+                  <a:pt x="5606362" y="2188875"/>
+                  <a:pt x="5589243" y="2217302"/>
+                  <a:pt x="5475118" y="2348776"/>
+                </a:cubicBezTo>
+                <a:cubicBezTo>
+                  <a:pt x="5398085" y="2437610"/>
+                  <a:pt x="5709074" y="2238623"/>
+                  <a:pt x="5826051" y="2291922"/>
+                </a:cubicBezTo>
+                <a:cubicBezTo>
+                  <a:pt x="5868848" y="2309690"/>
+                  <a:pt x="5552153" y="2554872"/>
+                  <a:pt x="5552153" y="2597513"/>
+                </a:cubicBezTo>
+                <a:cubicBezTo>
+                  <a:pt x="5549300" y="2640153"/>
+                  <a:pt x="5577831" y="2647260"/>
+                  <a:pt x="5603508" y="2647260"/>
+                </a:cubicBezTo>
+                <a:cubicBezTo>
+                  <a:pt x="5660571" y="2647260"/>
+                  <a:pt x="5640599" y="2686346"/>
+                  <a:pt x="5700515" y="2679240"/>
+                </a:cubicBezTo>
+                <a:cubicBezTo>
+                  <a:pt x="5523622" y="2800055"/>
+                  <a:pt x="5418057" y="2778734"/>
+                  <a:pt x="5246870" y="2888889"/>
+                </a:cubicBezTo>
+                <a:cubicBezTo>
+                  <a:pt x="5164130" y="2942189"/>
+                  <a:pt x="4921615" y="3119857"/>
+                  <a:pt x="4836022" y="3169605"/>
+                </a:cubicBezTo>
+                <a:cubicBezTo>
+                  <a:pt x="4801785" y="3187371"/>
+                  <a:pt x="4758988" y="3173158"/>
+                  <a:pt x="4736163" y="3233565"/>
+                </a:cubicBezTo>
+                <a:cubicBezTo>
+                  <a:pt x="4770400" y="3279759"/>
+                  <a:pt x="4816050" y="3254885"/>
+                  <a:pt x="4853141" y="3233565"/>
+                </a:cubicBezTo>
+                <a:cubicBezTo>
+                  <a:pt x="4944440" y="3176711"/>
+                  <a:pt x="4935881" y="3190925"/>
+                  <a:pt x="4944440" y="3226459"/>
+                </a:cubicBezTo>
+                <a:cubicBezTo>
+                  <a:pt x="4972972" y="3350827"/>
+                  <a:pt x="5044300" y="3308186"/>
+                  <a:pt x="5109921" y="3283313"/>
+                </a:cubicBezTo>
+                <a:cubicBezTo>
+                  <a:pt x="5303932" y="3208692"/>
+                  <a:pt x="5500797" y="3215799"/>
+                  <a:pt x="5694809" y="3141178"/>
+                </a:cubicBezTo>
+                <a:cubicBezTo>
+                  <a:pt x="5714781" y="3134070"/>
+                  <a:pt x="5612068" y="3283313"/>
+                  <a:pt x="5566419" y="3301079"/>
+                </a:cubicBezTo>
+                <a:cubicBezTo>
+                  <a:pt x="5515063" y="3322399"/>
+                  <a:pt x="5452294" y="3311739"/>
+                  <a:pt x="5415203" y="3397020"/>
+                </a:cubicBezTo>
+                <a:cubicBezTo>
+                  <a:pt x="5477972" y="3414787"/>
+                  <a:pt x="5552153" y="3372147"/>
+                  <a:pt x="5612068" y="3432554"/>
+                </a:cubicBezTo>
+                <a:cubicBezTo>
+                  <a:pt x="5469413" y="3528494"/>
+                  <a:pt x="5329610" y="3535601"/>
+                  <a:pt x="5206927" y="3599562"/>
+                </a:cubicBezTo>
+                <a:cubicBezTo>
+                  <a:pt x="5192661" y="3706163"/>
+                  <a:pt x="5272548" y="3663523"/>
+                  <a:pt x="5301079" y="3723930"/>
+                </a:cubicBezTo>
+                <a:cubicBezTo>
+                  <a:pt x="5072830" y="3844745"/>
+                  <a:pt x="4564977" y="4232062"/>
+                  <a:pt x="4507915" y="4306683"/>
+                </a:cubicBezTo>
+                <a:cubicBezTo>
+                  <a:pt x="4390937" y="4463031"/>
+                  <a:pt x="3900202" y="4562525"/>
+                  <a:pt x="3982942" y="4587399"/>
+                </a:cubicBezTo>
+                <a:cubicBezTo>
+                  <a:pt x="4051417" y="4608719"/>
+                  <a:pt x="4119891" y="4587399"/>
+                  <a:pt x="4185513" y="4541205"/>
+                </a:cubicBezTo>
+                <a:cubicBezTo>
+                  <a:pt x="4291078" y="4466584"/>
+                  <a:pt x="5010062" y="4523438"/>
+                  <a:pt x="5212633" y="4455924"/>
+                </a:cubicBezTo>
+                <a:cubicBezTo>
+                  <a:pt x="5241164" y="4445264"/>
+                  <a:pt x="5283960" y="4409730"/>
+                  <a:pt x="5312492" y="4473691"/>
+                </a:cubicBezTo>
+                <a:cubicBezTo>
+                  <a:pt x="5098508" y="4704659"/>
+                  <a:pt x="4833169" y="4654913"/>
+                  <a:pt x="4596361" y="4818368"/>
+                </a:cubicBezTo>
+                <a:cubicBezTo>
+                  <a:pt x="4684807" y="4917861"/>
+                  <a:pt x="4776107" y="4907202"/>
+                  <a:pt x="4873113" y="4885882"/>
+                </a:cubicBezTo>
+                <a:cubicBezTo>
+                  <a:pt x="4895938" y="4878775"/>
+                  <a:pt x="4930175" y="4871668"/>
+                  <a:pt x="4935881" y="4914309"/>
+                </a:cubicBezTo>
+                <a:cubicBezTo>
+                  <a:pt x="4941587" y="4967609"/>
+                  <a:pt x="4898790" y="4978270"/>
+                  <a:pt x="4873113" y="5003143"/>
+                </a:cubicBezTo>
+                <a:cubicBezTo>
+                  <a:pt x="4833169" y="5038676"/>
+                  <a:pt x="4773254" y="4999590"/>
+                  <a:pt x="4721898" y="5095530"/>
+                </a:cubicBezTo>
+                <a:cubicBezTo>
+                  <a:pt x="4873113" y="5067104"/>
+                  <a:pt x="4998650" y="5020910"/>
+                  <a:pt x="5132745" y="4949842"/>
+                </a:cubicBezTo>
+                <a:cubicBezTo>
+                  <a:pt x="5121333" y="5006696"/>
+                  <a:pt x="5081390" y="5035123"/>
+                  <a:pt x="5101362" y="5081317"/>
+                </a:cubicBezTo>
+                <a:cubicBezTo>
+                  <a:pt x="5118480" y="5116850"/>
+                  <a:pt x="5164130" y="5131063"/>
+                  <a:pt x="5138452" y="5198578"/>
+                </a:cubicBezTo>
+                <a:cubicBezTo>
+                  <a:pt x="5067125" y="5273199"/>
+                  <a:pt x="4967265" y="5258986"/>
+                  <a:pt x="4904497" y="5362033"/>
+                </a:cubicBezTo>
+                <a:cubicBezTo>
+                  <a:pt x="4818903" y="5507721"/>
+                  <a:pt x="4684807" y="5564575"/>
+                  <a:pt x="4579242" y="5674729"/>
+                </a:cubicBezTo>
+                <a:cubicBezTo>
+                  <a:pt x="4545005" y="5713816"/>
+                  <a:pt x="4313903" y="5841738"/>
+                  <a:pt x="4253988" y="5884379"/>
+                </a:cubicBezTo>
+                <a:cubicBezTo>
+                  <a:pt x="4168395" y="5944786"/>
+                  <a:pt x="4071389" y="5966106"/>
+                  <a:pt x="3985795" y="6069153"/>
+                </a:cubicBezTo>
+                <a:cubicBezTo>
+                  <a:pt x="4065682" y="6086921"/>
+                  <a:pt x="4134157" y="5990979"/>
+                  <a:pt x="4231163" y="6030066"/>
+                </a:cubicBezTo>
+                <a:cubicBezTo>
+                  <a:pt x="4074242" y="6133114"/>
+                  <a:pt x="3931586" y="6182861"/>
+                  <a:pt x="3814609" y="6317889"/>
+                </a:cubicBezTo>
+                <a:cubicBezTo>
+                  <a:pt x="3800343" y="6335656"/>
+                  <a:pt x="3771812" y="6332102"/>
+                  <a:pt x="3751840" y="6339209"/>
+                </a:cubicBezTo>
+                <a:cubicBezTo>
+                  <a:pt x="3529298" y="6406723"/>
+                  <a:pt x="3309608" y="6467130"/>
+                  <a:pt x="3089919" y="6563071"/>
+                </a:cubicBezTo>
+                <a:cubicBezTo>
+                  <a:pt x="3041416" y="6584392"/>
+                  <a:pt x="2955823" y="6595052"/>
+                  <a:pt x="2961529" y="6662566"/>
+                </a:cubicBezTo>
+                <a:cubicBezTo>
+                  <a:pt x="2972941" y="6765613"/>
+                  <a:pt x="3055681" y="6687439"/>
+                  <a:pt x="3107038" y="6673226"/>
+                </a:cubicBezTo>
+                <a:cubicBezTo>
+                  <a:pt x="3269664" y="6634138"/>
+                  <a:pt x="3432292" y="6570178"/>
+                  <a:pt x="3594919" y="6591499"/>
+                </a:cubicBezTo>
+                <a:cubicBezTo>
+                  <a:pt x="3483648" y="6637693"/>
+                  <a:pt x="3372376" y="6680332"/>
+                  <a:pt x="3261106" y="6726527"/>
+                </a:cubicBezTo>
+                <a:cubicBezTo>
+                  <a:pt x="3386642" y="6705206"/>
+                  <a:pt x="3495061" y="6786934"/>
+                  <a:pt x="3620597" y="6740740"/>
+                </a:cubicBezTo>
+                <a:cubicBezTo>
+                  <a:pt x="3660541" y="6726527"/>
+                  <a:pt x="3700484" y="6765613"/>
+                  <a:pt x="3703337" y="6826020"/>
+                </a:cubicBezTo>
+                <a:cubicBezTo>
+                  <a:pt x="3706191" y="6847340"/>
+                  <a:pt x="3700484" y="6865108"/>
+                  <a:pt x="3689072" y="6879321"/>
+                </a:cubicBezTo>
+                <a:lnTo>
+                  <a:pt x="0" y="6879321"/>
+                </a:lnTo>
+                <a:close/>
+              </a:path>
+            </a:pathLst>
+          </a:custGeom>
+        </p:spPr>
+      </p:pic>
+      <p:sp>
+        <p:nvSpPr>
+          <p:cNvPr id="3" name="Content Placeholder 2">
+            <a:extLst>
+              <a:ext uri="{FF2B5EF4-FFF2-40B4-BE49-F238E27FC236}">
+                <a16:creationId xmlns:a16="http://schemas.microsoft.com/office/drawing/2014/main" id="{B01D68B0-67E9-4D39-8BFB-CF4927B9BD4C}"/>
+              </a:ext>
+            </a:extLst>
+          </p:cNvPr>
+          <p:cNvSpPr>
+            <a:spLocks noGrp="1"/>
+          </p:cNvSpPr>
+          <p:nvPr>
+            <p:ph idx="1"/>
+          </p:nvPr>
+        </p:nvSpPr>
+        <p:spPr>
+          <a:xfrm>
+            <a:off x="6513788" y="2333297"/>
+            <a:ext cx="4840010" cy="3843666"/>
+          </a:xfrm>
+        </p:spPr>
+        <p:txBody>
+          <a:bodyPr>
+            <a:normAutofit/>
+          </a:bodyPr>
+          <a:lstStyle/>
+          <a:p>
+            <a:r>
+              <a:rPr lang="en-US" sz="2000"/>
+              <a:t>Excel </a:t>
+            </a:r>
+          </a:p>
+          <a:p>
+            <a:r>
+              <a:rPr lang="en-US" sz="2000"/>
+              <a:t>R</a:t>
+            </a:r>
+          </a:p>
+        </p:txBody>
+      </p:sp>
+      <p:sp>
+        <p:nvSpPr>
+          <p:cNvPr id="4" name="Footer Placeholder 3">
+            <a:extLst>
+              <a:ext uri="{FF2B5EF4-FFF2-40B4-BE49-F238E27FC236}">
+                <a16:creationId xmlns:a16="http://schemas.microsoft.com/office/drawing/2014/main" id="{51CC175C-2913-435E-AC41-9BCD63C06B7B}"/>
+              </a:ext>
+            </a:extLst>
+          </p:cNvPr>
+          <p:cNvSpPr>
+            <a:spLocks noGrp="1"/>
+          </p:cNvSpPr>
+          <p:nvPr>
+            <p:ph type="ftr" sz="quarter" idx="11"/>
+          </p:nvPr>
+        </p:nvSpPr>
+        <p:spPr>
+          <a:xfrm>
+            <a:off x="4038600" y="6356350"/>
+            <a:ext cx="4114800" cy="365125"/>
+          </a:xfrm>
+        </p:spPr>
+        <p:txBody>
+          <a:bodyPr>
+            <a:normAutofit/>
+          </a:bodyPr>
+          <a:lstStyle/>
+          <a:p>
+            <a:pPr>
+              <a:spcAft>
+                <a:spcPts val="600"/>
+              </a:spcAft>
+            </a:pPr>
+            <a:r>
+              <a:rPr lang="en-US"/>
+              <a:t>Mike Nguyen</a:t>
+            </a:r>
+          </a:p>
+        </p:txBody>
+      </p:sp>
+      <p:sp>
+        <p:nvSpPr>
+          <p:cNvPr id="5" name="Slide Number Placeholder 4">
+            <a:extLst>
+              <a:ext uri="{FF2B5EF4-FFF2-40B4-BE49-F238E27FC236}">
+                <a16:creationId xmlns:a16="http://schemas.microsoft.com/office/drawing/2014/main" id="{5BBEA971-4EB2-4D26-B188-EF5DAB1F7B50}"/>
+              </a:ext>
+            </a:extLst>
+          </p:cNvPr>
+          <p:cNvSpPr>
+            <a:spLocks noGrp="1"/>
+          </p:cNvSpPr>
+          <p:nvPr>
+            <p:ph type="sldNum" sz="quarter" idx="12"/>
+          </p:nvPr>
+        </p:nvSpPr>
+        <p:spPr>
+          <a:xfrm>
+            <a:off x="8610600" y="6356350"/>
+            <a:ext cx="2743200" cy="365125"/>
+          </a:xfrm>
+        </p:spPr>
+        <p:txBody>
+          <a:bodyPr>
+            <a:normAutofit/>
+          </a:bodyPr>
+          <a:lstStyle/>
+          <a:p>
+            <a:pPr>
+              <a:spcAft>
+                <a:spcPts val="600"/>
+              </a:spcAft>
+            </a:pPr>
+            <a:fld id="{A6AF1B4E-90EC-4A51-B6E5-B702C054ECB0}" type="slidenum">
+              <a:rPr lang="en-US" smtClean="0"/>
+              <a:pPr>
+                <a:spcAft>
+                  <a:spcPts val="600"/>
+                </a:spcAft>
+              </a:pPr>
+              <a:t>16</a:t>
+            </a:fld>
+            <a:endParaRPr lang="en-US"/>
+          </a:p>
+        </p:txBody>
+      </p:sp>
+    </p:spTree>
+    <p:extLst>
+      <p:ext uri="{BB962C8B-B14F-4D97-AF65-F5344CB8AC3E}">
+        <p14:creationId xmlns:p14="http://schemas.microsoft.com/office/powerpoint/2010/main" val="1538263659"/>
+      </p:ext>
+    </p:extLst>
+  </p:cSld>
+  <p:clrMapOvr>
+    <a:masterClrMapping/>
+  </p:clrMapOvr>
+</p:sld>
+</file>
+
+<file path=ppt/slides/slide17.xml><?xml version="1.0" encoding="utf-8"?>
+<p:sld xmlns:a="http://schemas.openxmlformats.org/drawingml/2006/main" xmlns:r="http://schemas.openxmlformats.org/officeDocument/2006/relationships" xmlns:p="http://schemas.openxmlformats.org/presentationml/2006/main">
+  <p:cSld>
+    <p:bg>
+      <p:bgPr>
+        <a:solidFill>
+          <a:schemeClr val="bg1"/>
+        </a:solidFill>
+        <a:effectLst/>
+      </p:bgPr>
+    </p:bg>
+    <p:spTree>
+      <p:nvGrpSpPr>
+        <p:cNvPr id="1" name=""/>
+        <p:cNvGrpSpPr/>
+        <p:nvPr/>
+      </p:nvGrpSpPr>
+      <p:grpSpPr>
+        <a:xfrm>
+          <a:off x="0" y="0"/>
+          <a:ext cx="0" cy="0"/>
+          <a:chOff x="0" y="0"/>
+          <a:chExt cx="0" cy="0"/>
+        </a:xfrm>
+      </p:grpSpPr>
       <p:sp>
         <p:nvSpPr>
           <p:cNvPr id="73" name="Rectangle 72">
@@ -12162,7 +13007,7 @@
                   <a:spcPts val="600"/>
                 </a:spcAft>
               </a:pPr>
-              <a:t>16</a:t>
+              <a:t>17</a:t>
             </a:fld>
             <a:endParaRPr lang="en-US"/>
           </a:p>
@@ -19197,15 +20042,6 @@
 </file>
 
 <file path=customXml/item1.xml><?xml version="1.0" encoding="utf-8"?>
-<?mso-contentType ?>
-<FormTemplates xmlns="http://schemas.microsoft.com/sharepoint/v3/contenttype/forms">
-  <Display>DocumentLibraryForm</Display>
-  <Edit>DocumentLibraryForm</Edit>
-  <New>DocumentLibraryForm</New>
-</FormTemplates>
-</file>
-
-<file path=customXml/item2.xml><?xml version="1.0" encoding="utf-8"?>
 <ct:contentTypeSchema xmlns:ct="http://schemas.microsoft.com/office/2006/metadata/contentType" xmlns:ma="http://schemas.microsoft.com/office/2006/metadata/properties/metaAttributes" ct:_="" ma:_="" ma:contentTypeName="Document" ma:contentTypeID="0x01010079F111ED35F8CC479449609E8A0923A6" ma:contentTypeVersion="11" ma:contentTypeDescription="Create a new document." ma:contentTypeScope="" ma:versionID="96291512c1ee715ab617f4c07df79fc1">
   <xsd:schema xmlns:xsd="http://www.w3.org/2001/XMLSchema" xmlns:xs="http://www.w3.org/2001/XMLSchema" xmlns:p="http://schemas.microsoft.com/office/2006/metadata/properties" xmlns:ns2="71af3243-3dd4-4a8d-8c0d-dd76da1f02a5" xmlns:ns3="16c05727-aa75-4e4a-9b5f-8a80a1165891" targetNamespace="http://schemas.microsoft.com/office/2006/metadata/properties" ma:root="true" ma:fieldsID="8256c27c40ca5c40ce1cf6c44f0205df" ns2:_="" ns3:_="">
     <xsd:import namespace="71af3243-3dd4-4a8d-8c0d-dd76da1f02a5"/>
@@ -19416,6 +20252,15 @@
 </ct:contentTypeSchema>
 </file>
 
+<file path=customXml/item2.xml><?xml version="1.0" encoding="utf-8"?>
+<?mso-contentType ?>
+<FormTemplates xmlns="http://schemas.microsoft.com/sharepoint/v3/contenttype/forms">
+  <Display>DocumentLibraryForm</Display>
+  <Edit>DocumentLibraryForm</Edit>
+  <New>DocumentLibraryForm</New>
+</FormTemplates>
+</file>
+
 <file path=customXml/item3.xml><?xml version="1.0" encoding="utf-8"?>
 <p:properties xmlns:p="http://schemas.microsoft.com/office/2006/metadata/properties" xmlns:xsi="http://www.w3.org/2001/XMLSchema-instance" xmlns:pc="http://schemas.microsoft.com/office/infopath/2007/PartnerControls">
   <documentManagement>
@@ -19425,14 +20270,6 @@
 </file>
 
 <file path=customXml/itemProps1.xml><?xml version="1.0" encoding="utf-8"?>
-<ds:datastoreItem xmlns:ds="http://schemas.openxmlformats.org/officeDocument/2006/customXml" ds:itemID="{5CA875DA-F9FD-4F83-A049-3B1027B542DE}">
-  <ds:schemaRefs>
-    <ds:schemaRef ds:uri="http://schemas.microsoft.com/sharepoint/v3/contenttype/forms"/>
-  </ds:schemaRefs>
-</ds:datastoreItem>
-</file>
-
-<file path=customXml/itemProps2.xml><?xml version="1.0" encoding="utf-8"?>
 <ds:datastoreItem xmlns:ds="http://schemas.openxmlformats.org/officeDocument/2006/customXml" ds:itemID="{B2AB02E3-5ADF-4BF0-9C1B-35CDF3FE95B0}">
   <ds:schemaRefs>
     <ds:schemaRef ds:uri="http://schemas.microsoft.com/office/2006/metadata/contentType"/>
@@ -19451,6 +20288,14 @@
 </ds:datastoreItem>
 </file>
 
+<file path=customXml/itemProps2.xml><?xml version="1.0" encoding="utf-8"?>
+<ds:datastoreItem xmlns:ds="http://schemas.openxmlformats.org/officeDocument/2006/customXml" ds:itemID="{5CA875DA-F9FD-4F83-A049-3B1027B542DE}">
+  <ds:schemaRefs>
+    <ds:schemaRef ds:uri="http://schemas.microsoft.com/sharepoint/v3/contenttype/forms"/>
+  </ds:schemaRefs>
+</ds:datastoreItem>
+</file>
+
 <file path=customXml/itemProps3.xml><?xml version="1.0" encoding="utf-8"?>
 <ds:datastoreItem xmlns:ds="http://schemas.openxmlformats.org/officeDocument/2006/customXml" ds:itemID="{03C7D9E6-B0D9-433E-BD46-EB60F64F4DA8}">
   <ds:schemaRefs>

--- a/lectures/9/1_Descriptive Statistics.pptx
+++ b/lectures/9/1_Descriptive Statistics.pptx
@@ -5,10 +5,10 @@
     <p:sldMasterId id="2147483648" r:id="rId4"/>
   </p:sldMasterIdLst>
   <p:notesMasterIdLst>
-    <p:notesMasterId r:id="rId22"/>
+    <p:notesMasterId r:id="rId23"/>
   </p:notesMasterIdLst>
   <p:handoutMasterIdLst>
-    <p:handoutMasterId r:id="rId23"/>
+    <p:handoutMasterId r:id="rId24"/>
   </p:handoutMasterIdLst>
   <p:sldIdLst>
     <p:sldId id="271" r:id="rId5"/>
@@ -27,7 +27,8 @@
     <p:sldId id="269" r:id="rId18"/>
     <p:sldId id="276" r:id="rId19"/>
     <p:sldId id="277" r:id="rId20"/>
-    <p:sldId id="262" r:id="rId21"/>
+    <p:sldId id="278" r:id="rId21"/>
+    <p:sldId id="262" r:id="rId22"/>
   </p:sldIdLst>
   <p:sldSz cx="12192000" cy="6858000"/>
   <p:notesSz cx="6858000" cy="9144000"/>
@@ -231,7 +232,7 @@
           <a:p>
             <a:fld id="{73B2889B-A0AC-4482-8592-5C96F2309420}" type="datetimeFigureOut">
               <a:rPr lang="en-US" smtClean="0"/>
-              <a:t>10/17/2021</a:t>
+              <a:t>10/18/2021</a:t>
             </a:fld>
             <a:endParaRPr lang="en-US"/>
           </a:p>
@@ -1048,6 +1049,93 @@
           <a:bodyPr/>
           <a:lstStyle/>
           <a:p>
+            <a:r>
+              <a:rPr lang="en-US" dirty="0"/>
+              <a:t>IDE = Integrated Development Environment </a:t>
+            </a:r>
+          </a:p>
+        </p:txBody>
+      </p:sp>
+      <p:sp>
+        <p:nvSpPr>
+          <p:cNvPr id="4" name="Slide Number Placeholder 3"/>
+          <p:cNvSpPr>
+            <a:spLocks noGrp="1"/>
+          </p:cNvSpPr>
+          <p:nvPr>
+            <p:ph type="sldNum" sz="quarter" idx="5"/>
+          </p:nvPr>
+        </p:nvSpPr>
+        <p:spPr/>
+        <p:txBody>
+          <a:bodyPr/>
+          <a:lstStyle/>
+          <a:p>
+            <a:fld id="{BC849E9A-41F7-4779-A581-48A7C374A227}" type="slidenum">
+              <a:rPr lang="en-US" smtClean="0"/>
+              <a:t>17</a:t>
+            </a:fld>
+            <a:endParaRPr lang="en-US" dirty="0"/>
+          </a:p>
+        </p:txBody>
+      </p:sp>
+    </p:spTree>
+    <p:extLst>
+      <p:ext uri="{BB962C8B-B14F-4D97-AF65-F5344CB8AC3E}">
+        <p14:creationId xmlns:p14="http://schemas.microsoft.com/office/powerpoint/2010/main" val="3546911811"/>
+      </p:ext>
+    </p:extLst>
+  </p:cSld>
+  <p:clrMapOvr>
+    <a:masterClrMapping/>
+  </p:clrMapOvr>
+</p:notes>
+</file>
+
+<file path=ppt/notesSlides/notesSlide12.xml><?xml version="1.0" encoding="utf-8"?>
+<p:notes xmlns:a="http://schemas.openxmlformats.org/drawingml/2006/main" xmlns:r="http://schemas.openxmlformats.org/officeDocument/2006/relationships" xmlns:p="http://schemas.openxmlformats.org/presentationml/2006/main">
+  <p:cSld>
+    <p:spTree>
+      <p:nvGrpSpPr>
+        <p:cNvPr id="1" name=""/>
+        <p:cNvGrpSpPr/>
+        <p:nvPr/>
+      </p:nvGrpSpPr>
+      <p:grpSpPr>
+        <a:xfrm>
+          <a:off x="0" y="0"/>
+          <a:ext cx="0" cy="0"/>
+          <a:chOff x="0" y="0"/>
+          <a:chExt cx="0" cy="0"/>
+        </a:xfrm>
+      </p:grpSpPr>
+      <p:sp>
+        <p:nvSpPr>
+          <p:cNvPr id="2" name="Slide Image Placeholder 1"/>
+          <p:cNvSpPr>
+            <a:spLocks noGrp="1" noRot="1" noChangeAspect="1"/>
+          </p:cNvSpPr>
+          <p:nvPr>
+            <p:ph type="sldImg"/>
+          </p:nvPr>
+        </p:nvSpPr>
+        <p:spPr/>
+      </p:sp>
+      <p:sp>
+        <p:nvSpPr>
+          <p:cNvPr id="3" name="Notes Placeholder 2"/>
+          <p:cNvSpPr>
+            <a:spLocks noGrp="1"/>
+          </p:cNvSpPr>
+          <p:nvPr>
+            <p:ph type="body" idx="1"/>
+          </p:nvPr>
+        </p:nvSpPr>
+        <p:spPr/>
+        <p:txBody>
+          <a:bodyPr/>
+          <a:lstStyle/>
+          <a:p>
             <a:pPr marL="0" marR="0" lvl="0" indent="0" algn="l" defTabSz="914400" rtl="0" eaLnBrk="1" fontAlgn="auto" latinLnBrk="0" hangingPunct="1">
               <a:lnSpc>
                 <a:spcPct val="100000"/>
@@ -1198,7 +1286,7 @@
           <a:p>
             <a:fld id="{BC849E9A-41F7-4779-A581-48A7C374A227}" type="slidenum">
               <a:rPr lang="en-US" smtClean="0"/>
-              <a:t>17</a:t>
+              <a:t>18</a:t>
             </a:fld>
             <a:endParaRPr lang="en-US" dirty="0"/>
           </a:p>
@@ -12587,6 +12675,1057 @@
           <a:chExt cx="0" cy="0"/>
         </a:xfrm>
       </p:grpSpPr>
+      <p:sp useBgFill="1">
+        <p:nvSpPr>
+          <p:cNvPr id="25" name="Rectangle 24">
+            <a:extLst>
+              <a:ext uri="{FF2B5EF4-FFF2-40B4-BE49-F238E27FC236}">
+                <a16:creationId xmlns:a16="http://schemas.microsoft.com/office/drawing/2014/main" id="{4C2AC11E-3162-4990-A36E-92B07ECF16C2}"/>
+              </a:ext>
+              <a:ext uri="{C183D7F6-B498-43B3-948B-1728B52AA6E4}">
+                <adec:decorative xmlns:adec="http://schemas.microsoft.com/office/drawing/2017/decorative" val="1"/>
+              </a:ext>
+            </a:extLst>
+          </p:cNvPr>
+          <p:cNvSpPr>
+            <a:spLocks noGrp="1" noRot="1" noChangeAspect="1" noMove="1" noResize="1" noEditPoints="1" noAdjustHandles="1" noChangeArrowheads="1" noChangeShapeType="1" noTextEdit="1"/>
+          </p:cNvSpPr>
+          <p:nvPr>
+            <p:extLst>
+              <p:ext uri="{386F3935-93C4-4BCD-93E2-E3B085C9AB24}">
+                <p16:designElem xmlns:p16="http://schemas.microsoft.com/office/powerpoint/2015/main" val="1"/>
+              </p:ext>
+            </p:extLst>
+          </p:nvPr>
+        </p:nvSpPr>
+        <p:spPr>
+          <a:xfrm>
+            <a:off x="0" y="0"/>
+            <a:ext cx="12192000" cy="6858000"/>
+          </a:xfrm>
+          <a:prstGeom prst="rect">
+            <a:avLst/>
+          </a:prstGeom>
+          <a:ln>
+            <a:noFill/>
+          </a:ln>
+        </p:spPr>
+        <p:style>
+          <a:lnRef idx="2">
+            <a:schemeClr val="accent1">
+              <a:shade val="50000"/>
+            </a:schemeClr>
+          </a:lnRef>
+          <a:fillRef idx="1">
+            <a:schemeClr val="accent1"/>
+          </a:fillRef>
+          <a:effectRef idx="0">
+            <a:schemeClr val="accent1"/>
+          </a:effectRef>
+          <a:fontRef idx="minor">
+            <a:schemeClr val="lt1"/>
+          </a:fontRef>
+        </p:style>
+        <p:txBody>
+          <a:bodyPr rtlCol="0" anchor="ctr"/>
+          <a:lstStyle/>
+          <a:p>
+            <a:pPr algn="ctr"/>
+            <a:endParaRPr lang="en-US"/>
+          </a:p>
+        </p:txBody>
+      </p:sp>
+      <p:sp useBgFill="1">
+        <p:nvSpPr>
+          <p:cNvPr id="27" name="Rectangle 26">
+            <a:extLst>
+              <a:ext uri="{FF2B5EF4-FFF2-40B4-BE49-F238E27FC236}">
+                <a16:creationId xmlns:a16="http://schemas.microsoft.com/office/drawing/2014/main" id="{9073D962-D3D2-4A72-8593-65C213CBFFC3}"/>
+              </a:ext>
+              <a:ext uri="{C183D7F6-B498-43B3-948B-1728B52AA6E4}">
+                <adec:decorative xmlns:adec="http://schemas.microsoft.com/office/drawing/2017/decorative" val="1"/>
+              </a:ext>
+            </a:extLst>
+          </p:cNvPr>
+          <p:cNvSpPr>
+            <a:spLocks noGrp="1" noRot="1" noChangeAspect="1" noMove="1" noResize="1" noEditPoints="1" noAdjustHandles="1" noChangeArrowheads="1" noChangeShapeType="1" noTextEdit="1"/>
+          </p:cNvSpPr>
+          <p:nvPr>
+            <p:extLst>
+              <p:ext uri="{386F3935-93C4-4BCD-93E2-E3B085C9AB24}">
+                <p16:designElem xmlns:p16="http://schemas.microsoft.com/office/powerpoint/2015/main" val="1"/>
+              </p:ext>
+            </p:extLst>
+          </p:nvPr>
+        </p:nvSpPr>
+        <p:spPr>
+          <a:xfrm>
+            <a:off x="409574" y="633619"/>
+            <a:ext cx="4520912" cy="5495925"/>
+          </a:xfrm>
+          <a:prstGeom prst="rect">
+            <a:avLst/>
+          </a:prstGeom>
+          <a:ln w="9525">
+            <a:solidFill>
+              <a:srgbClr val="DEDEDE"/>
+            </a:solidFill>
+          </a:ln>
+          <a:effectLst>
+            <a:outerShdw blurRad="50800" dist="38100" dir="2700000" algn="tl" rotWithShape="0">
+              <a:schemeClr val="bg1">
+                <a:lumMod val="85000"/>
+                <a:alpha val="50000"/>
+              </a:schemeClr>
+            </a:outerShdw>
+          </a:effectLst>
+        </p:spPr>
+        <p:style>
+          <a:lnRef idx="2">
+            <a:schemeClr val="accent1">
+              <a:shade val="50000"/>
+            </a:schemeClr>
+          </a:lnRef>
+          <a:fillRef idx="1">
+            <a:schemeClr val="accent1"/>
+          </a:fillRef>
+          <a:effectRef idx="0">
+            <a:schemeClr val="accent1"/>
+          </a:effectRef>
+          <a:fontRef idx="minor">
+            <a:schemeClr val="lt1"/>
+          </a:fontRef>
+        </p:style>
+        <p:txBody>
+          <a:bodyPr rtlCol="0" anchor="ctr"/>
+          <a:lstStyle/>
+          <a:p>
+            <a:pPr marL="0" marR="0" lvl="0" indent="0" algn="ctr" defTabSz="914400" rtl="0" eaLnBrk="1" fontAlgn="auto" latinLnBrk="0" hangingPunct="1">
+              <a:lnSpc>
+                <a:spcPct val="100000"/>
+              </a:lnSpc>
+              <a:spcBef>
+                <a:spcPts val="0"/>
+              </a:spcBef>
+              <a:spcAft>
+                <a:spcPts val="0"/>
+              </a:spcAft>
+              <a:buClrTx/>
+              <a:buSzTx/>
+              <a:buFontTx/>
+              <a:buNone/>
+              <a:tabLst/>
+              <a:defRPr/>
+            </a:pPr>
+            <a:endParaRPr kumimoji="0" lang="en-US" sz="1800" b="0" i="0" u="none" strike="noStrike" kern="1200" cap="none" spc="0" normalizeH="0" baseline="0" noProof="0">
+              <a:ln>
+                <a:noFill/>
+              </a:ln>
+              <a:solidFill>
+                <a:prstClr val="white"/>
+              </a:solidFill>
+              <a:effectLst/>
+              <a:uLnTx/>
+              <a:uFillTx/>
+              <a:latin typeface="Calibri" panose="020F0502020204030204"/>
+              <a:ea typeface="+mn-ea"/>
+              <a:cs typeface="+mn-cs"/>
+            </a:endParaRPr>
+          </a:p>
+        </p:txBody>
+      </p:sp>
+      <p:sp>
+        <p:nvSpPr>
+          <p:cNvPr id="2" name="Title 1">
+            <a:extLst>
+              <a:ext uri="{FF2B5EF4-FFF2-40B4-BE49-F238E27FC236}">
+                <a16:creationId xmlns:a16="http://schemas.microsoft.com/office/drawing/2014/main" id="{5D23EC8B-3580-4E31-A4F4-66D5CAE6E9CD}"/>
+              </a:ext>
+            </a:extLst>
+          </p:cNvPr>
+          <p:cNvSpPr>
+            <a:spLocks noGrp="1"/>
+          </p:cNvSpPr>
+          <p:nvPr>
+            <p:ph type="title"/>
+          </p:nvPr>
+        </p:nvSpPr>
+        <p:spPr>
+          <a:xfrm>
+            <a:off x="838200" y="978408"/>
+            <a:ext cx="3721608" cy="1106424"/>
+          </a:xfrm>
+        </p:spPr>
+        <p:txBody>
+          <a:bodyPr>
+            <a:normAutofit/>
+          </a:bodyPr>
+          <a:lstStyle/>
+          <a:p>
+            <a:r>
+              <a:rPr lang="en-US" sz="2800"/>
+              <a:t>A little bit about R</a:t>
+            </a:r>
+          </a:p>
+        </p:txBody>
+      </p:sp>
+      <p:sp>
+        <p:nvSpPr>
+          <p:cNvPr id="29" name="Rectangle 28">
+            <a:extLst>
+              <a:ext uri="{FF2B5EF4-FFF2-40B4-BE49-F238E27FC236}">
+                <a16:creationId xmlns:a16="http://schemas.microsoft.com/office/drawing/2014/main" id="{2387511B-F6E1-4929-AC90-94FB8B6B0F41}"/>
+              </a:ext>
+              <a:ext uri="{C183D7F6-B498-43B3-948B-1728B52AA6E4}">
+                <adec:decorative xmlns:adec="http://schemas.microsoft.com/office/drawing/2017/decorative" val="1"/>
+              </a:ext>
+            </a:extLst>
+          </p:cNvPr>
+          <p:cNvSpPr>
+            <a:spLocks noGrp="1" noRot="1" noChangeAspect="1" noMove="1" noResize="1" noEditPoints="1" noAdjustHandles="1" noChangeArrowheads="1" noChangeShapeType="1" noTextEdit="1"/>
+          </p:cNvSpPr>
+          <p:nvPr>
+            <p:extLst>
+              <p:ext uri="{386F3935-93C4-4BCD-93E2-E3B085C9AB24}">
+                <p16:designElem xmlns:p16="http://schemas.microsoft.com/office/powerpoint/2015/main" val="1"/>
+              </p:ext>
+            </p:extLst>
+          </p:nvPr>
+        </p:nvSpPr>
+        <p:spPr>
+          <a:xfrm>
+            <a:off x="345565" y="1181536"/>
+            <a:ext cx="128016" cy="704088"/>
+          </a:xfrm>
+          <a:prstGeom prst="rect">
+            <a:avLst/>
+          </a:prstGeom>
+          <a:solidFill>
+            <a:schemeClr val="accent2"/>
+          </a:solidFill>
+          <a:ln>
+            <a:noFill/>
+          </a:ln>
+        </p:spPr>
+        <p:style>
+          <a:lnRef idx="2">
+            <a:schemeClr val="accent1">
+              <a:shade val="50000"/>
+            </a:schemeClr>
+          </a:lnRef>
+          <a:fillRef idx="1">
+            <a:schemeClr val="accent1"/>
+          </a:fillRef>
+          <a:effectRef idx="0">
+            <a:schemeClr val="accent1"/>
+          </a:effectRef>
+          <a:fontRef idx="minor">
+            <a:schemeClr val="lt1"/>
+          </a:fontRef>
+        </p:style>
+        <p:txBody>
+          <a:bodyPr rtlCol="0" anchor="ctr"/>
+          <a:lstStyle/>
+          <a:p>
+            <a:pPr marL="0" marR="0" lvl="0" indent="0" algn="ctr" defTabSz="914400" rtl="0" eaLnBrk="1" fontAlgn="auto" latinLnBrk="0" hangingPunct="1">
+              <a:lnSpc>
+                <a:spcPct val="100000"/>
+              </a:lnSpc>
+              <a:spcBef>
+                <a:spcPts val="0"/>
+              </a:spcBef>
+              <a:spcAft>
+                <a:spcPts val="0"/>
+              </a:spcAft>
+              <a:buClrTx/>
+              <a:buSzTx/>
+              <a:buFontTx/>
+              <a:buNone/>
+              <a:tabLst/>
+              <a:defRPr/>
+            </a:pPr>
+            <a:endParaRPr kumimoji="0" lang="en-US" sz="1800" b="0" i="0" u="none" strike="noStrike" kern="1200" cap="none" spc="0" normalizeH="0" baseline="0" noProof="0">
+              <a:ln>
+                <a:noFill/>
+              </a:ln>
+              <a:solidFill>
+                <a:prstClr val="white"/>
+              </a:solidFill>
+              <a:effectLst/>
+              <a:uLnTx/>
+              <a:uFillTx/>
+              <a:latin typeface="Calibri" panose="020F0502020204030204"/>
+              <a:ea typeface="+mn-ea"/>
+              <a:cs typeface="+mn-cs"/>
+            </a:endParaRPr>
+          </a:p>
+        </p:txBody>
+      </p:sp>
+      <p:sp>
+        <p:nvSpPr>
+          <p:cNvPr id="31" name="Rectangle 30">
+            <a:extLst>
+              <a:ext uri="{FF2B5EF4-FFF2-40B4-BE49-F238E27FC236}">
+                <a16:creationId xmlns:a16="http://schemas.microsoft.com/office/drawing/2014/main" id="{AA58F78C-27AB-465F-AA33-15E08AF267F9}"/>
+              </a:ext>
+              <a:ext uri="{C183D7F6-B498-43B3-948B-1728B52AA6E4}">
+                <adec:decorative xmlns:adec="http://schemas.microsoft.com/office/drawing/2017/decorative" val="1"/>
+              </a:ext>
+            </a:extLst>
+          </p:cNvPr>
+          <p:cNvSpPr>
+            <a:spLocks noGrp="1" noRot="1" noChangeAspect="1" noMove="1" noResize="1" noEditPoints="1" noAdjustHandles="1" noChangeArrowheads="1" noChangeShapeType="1" noTextEdit="1"/>
+          </p:cNvSpPr>
+          <p:nvPr>
+            <p:extLst>
+              <p:ext uri="{386F3935-93C4-4BCD-93E2-E3B085C9AB24}">
+                <p16:designElem xmlns:p16="http://schemas.microsoft.com/office/powerpoint/2015/main" val="1"/>
+              </p:ext>
+            </p:extLst>
+          </p:nvPr>
+        </p:nvSpPr>
+        <p:spPr>
+          <a:xfrm>
+            <a:off x="877456" y="2185416"/>
+            <a:ext cx="3683187" cy="9144"/>
+          </a:xfrm>
+          <a:prstGeom prst="rect">
+            <a:avLst/>
+          </a:prstGeom>
+          <a:solidFill>
+            <a:srgbClr val="D5D5D5"/>
+          </a:solidFill>
+          <a:ln w="3175">
+            <a:noFill/>
+          </a:ln>
+          <a:effectLst/>
+        </p:spPr>
+        <p:style>
+          <a:lnRef idx="2">
+            <a:schemeClr val="accent1">
+              <a:shade val="50000"/>
+            </a:schemeClr>
+          </a:lnRef>
+          <a:fillRef idx="1">
+            <a:schemeClr val="accent1"/>
+          </a:fillRef>
+          <a:effectRef idx="0">
+            <a:schemeClr val="accent1"/>
+          </a:effectRef>
+          <a:fontRef idx="minor">
+            <a:schemeClr val="lt1"/>
+          </a:fontRef>
+        </p:style>
+        <p:txBody>
+          <a:bodyPr rtlCol="0" anchor="ctr"/>
+          <a:lstStyle/>
+          <a:p>
+            <a:pPr marL="0" marR="0" lvl="0" indent="0" algn="ctr" defTabSz="914400" rtl="0" eaLnBrk="1" fontAlgn="auto" latinLnBrk="0" hangingPunct="1">
+              <a:lnSpc>
+                <a:spcPct val="100000"/>
+              </a:lnSpc>
+              <a:spcBef>
+                <a:spcPts val="0"/>
+              </a:spcBef>
+              <a:spcAft>
+                <a:spcPts val="0"/>
+              </a:spcAft>
+              <a:buClrTx/>
+              <a:buSzTx/>
+              <a:buFontTx/>
+              <a:buNone/>
+              <a:tabLst/>
+              <a:defRPr/>
+            </a:pPr>
+            <a:endParaRPr kumimoji="0" lang="en-US" sz="1800" b="0" i="0" u="none" strike="noStrike" kern="1200" cap="none" spc="0" normalizeH="0" baseline="0" noProof="0">
+              <a:ln>
+                <a:noFill/>
+              </a:ln>
+              <a:solidFill>
+                <a:prstClr val="white"/>
+              </a:solidFill>
+              <a:effectLst/>
+              <a:uLnTx/>
+              <a:uFillTx/>
+              <a:latin typeface="Calibri" panose="020F0502020204030204"/>
+              <a:ea typeface="+mn-ea"/>
+              <a:cs typeface="+mn-cs"/>
+            </a:endParaRPr>
+          </a:p>
+        </p:txBody>
+      </p:sp>
+      <p:sp>
+        <p:nvSpPr>
+          <p:cNvPr id="3" name="Content Placeholder 2">
+            <a:extLst>
+              <a:ext uri="{FF2B5EF4-FFF2-40B4-BE49-F238E27FC236}">
+                <a16:creationId xmlns:a16="http://schemas.microsoft.com/office/drawing/2014/main" id="{9B7658F4-6CD2-420F-965E-F05629D03B28}"/>
+              </a:ext>
+            </a:extLst>
+          </p:cNvPr>
+          <p:cNvSpPr>
+            <a:spLocks noGrp="1"/>
+          </p:cNvSpPr>
+          <p:nvPr>
+            <p:ph idx="1"/>
+          </p:nvPr>
+        </p:nvSpPr>
+        <p:spPr>
+          <a:xfrm>
+            <a:off x="838200" y="2368296"/>
+            <a:ext cx="3721608" cy="3502152"/>
+          </a:xfrm>
+        </p:spPr>
+        <p:txBody>
+          <a:bodyPr>
+            <a:normAutofit/>
+          </a:bodyPr>
+          <a:lstStyle/>
+          <a:p>
+            <a:r>
+              <a:rPr lang="en-US" sz="1700"/>
+              <a:t>R is the underlying language</a:t>
+            </a:r>
+          </a:p>
+          <a:p>
+            <a:r>
+              <a:rPr lang="en-US" sz="1700"/>
+              <a:t>RStudio is the IDE for R</a:t>
+            </a:r>
+          </a:p>
+          <a:p>
+            <a:r>
+              <a:rPr lang="en-US" sz="1700"/>
+              <a:t>RStudio Cloud is a cloud version of RStudio </a:t>
+            </a:r>
+          </a:p>
+        </p:txBody>
+      </p:sp>
+      <p:pic>
+        <p:nvPicPr>
+          <p:cNvPr id="7" name="Picture 6" descr="Graphical user interface, text, application&#10;&#10;Description automatically generated">
+            <a:extLst>
+              <a:ext uri="{FF2B5EF4-FFF2-40B4-BE49-F238E27FC236}">
+                <a16:creationId xmlns:a16="http://schemas.microsoft.com/office/drawing/2014/main" id="{CAAC86D5-E2CD-4603-A6B2-37021F8478FB}"/>
+              </a:ext>
+            </a:extLst>
+          </p:cNvPr>
+          <p:cNvPicPr>
+            <a:picLocks noChangeAspect="1"/>
+          </p:cNvPicPr>
+          <p:nvPr/>
+        </p:nvPicPr>
+        <p:blipFill>
+          <a:blip r:embed="rId3">
+            <a:extLst>
+              <a:ext uri="{28A0092B-C50C-407E-A947-70E740481C1C}">
+                <a14:useLocalDpi xmlns:a14="http://schemas.microsoft.com/office/drawing/2010/main" val="0"/>
+              </a:ext>
+              <a:ext uri="{837473B0-CC2E-450A-ABE3-18F120FF3D39}">
+                <a1611:picAttrSrcUrl xmlns:a1611="http://schemas.microsoft.com/office/drawing/2016/11/main" r:id="rId4"/>
+              </a:ext>
+            </a:extLst>
+          </a:blip>
+          <a:stretch>
+            <a:fillRect/>
+          </a:stretch>
+        </p:blipFill>
+        <p:spPr>
+          <a:xfrm>
+            <a:off x="5233267" y="857102"/>
+            <a:ext cx="3248351" cy="2241362"/>
+          </a:xfrm>
+          <a:prstGeom prst="rect">
+            <a:avLst/>
+          </a:prstGeom>
+        </p:spPr>
+      </p:pic>
+      <p:pic>
+        <p:nvPicPr>
+          <p:cNvPr id="16" name="Picture 15" descr="Graphical user interface, text, application, email&#10;&#10;Description automatically generated">
+            <a:extLst>
+              <a:ext uri="{FF2B5EF4-FFF2-40B4-BE49-F238E27FC236}">
+                <a16:creationId xmlns:a16="http://schemas.microsoft.com/office/drawing/2014/main" id="{27E5A0D6-4320-45F5-9293-0CE04ED5527F}"/>
+              </a:ext>
+            </a:extLst>
+          </p:cNvPr>
+          <p:cNvPicPr>
+            <a:picLocks noChangeAspect="1"/>
+          </p:cNvPicPr>
+          <p:nvPr/>
+        </p:nvPicPr>
+        <p:blipFill>
+          <a:blip r:embed="rId5">
+            <a:extLst>
+              <a:ext uri="{28A0092B-C50C-407E-A947-70E740481C1C}">
+                <a14:useLocalDpi xmlns:a14="http://schemas.microsoft.com/office/drawing/2010/main" val="0"/>
+              </a:ext>
+              <a:ext uri="{837473B0-CC2E-450A-ABE3-18F120FF3D39}">
+                <a1611:picAttrSrcUrl xmlns:a1611="http://schemas.microsoft.com/office/drawing/2016/11/main" r:id="rId6"/>
+              </a:ext>
+            </a:extLst>
+          </a:blip>
+          <a:stretch>
+            <a:fillRect/>
+          </a:stretch>
+        </p:blipFill>
+        <p:spPr>
+          <a:xfrm>
+            <a:off x="8589914" y="1096670"/>
+            <a:ext cx="3248352" cy="1762230"/>
+          </a:xfrm>
+          <a:prstGeom prst="rect">
+            <a:avLst/>
+          </a:prstGeom>
+        </p:spPr>
+      </p:pic>
+      <p:pic>
+        <p:nvPicPr>
+          <p:cNvPr id="10" name="Picture 9" descr="Graphical user interface, text, application&#10;&#10;Description automatically generated">
+            <a:extLst>
+              <a:ext uri="{FF2B5EF4-FFF2-40B4-BE49-F238E27FC236}">
+                <a16:creationId xmlns:a16="http://schemas.microsoft.com/office/drawing/2014/main" id="{BAB9D7C4-F9FF-4176-ACBC-0855F157D394}"/>
+              </a:ext>
+            </a:extLst>
+          </p:cNvPr>
+          <p:cNvPicPr>
+            <a:picLocks noChangeAspect="1"/>
+          </p:cNvPicPr>
+          <p:nvPr/>
+        </p:nvPicPr>
+        <p:blipFill>
+          <a:blip r:embed="rId7">
+            <a:extLst>
+              <a:ext uri="{28A0092B-C50C-407E-A947-70E740481C1C}">
+                <a14:useLocalDpi xmlns:a14="http://schemas.microsoft.com/office/drawing/2010/main" val="0"/>
+              </a:ext>
+              <a:ext uri="{837473B0-CC2E-450A-ABE3-18F120FF3D39}">
+                <a1611:picAttrSrcUrl xmlns:a1611="http://schemas.microsoft.com/office/drawing/2016/11/main" r:id="rId8"/>
+              </a:ext>
+            </a:extLst>
+          </a:blip>
+          <a:stretch>
+            <a:fillRect/>
+          </a:stretch>
+        </p:blipFill>
+        <p:spPr>
+          <a:xfrm>
+            <a:off x="5233268" y="3576345"/>
+            <a:ext cx="3248352" cy="2411901"/>
+          </a:xfrm>
+          <a:prstGeom prst="rect">
+            <a:avLst/>
+          </a:prstGeom>
+        </p:spPr>
+      </p:pic>
+      <p:pic>
+        <p:nvPicPr>
+          <p:cNvPr id="19" name="Picture 18" descr="Graphical user interface, application&#10;&#10;Description automatically generated">
+            <a:extLst>
+              <a:ext uri="{FF2B5EF4-FFF2-40B4-BE49-F238E27FC236}">
+                <a16:creationId xmlns:a16="http://schemas.microsoft.com/office/drawing/2014/main" id="{37325D8C-AD92-4BD3-8826-A7F6AA01C466}"/>
+              </a:ext>
+            </a:extLst>
+          </p:cNvPr>
+          <p:cNvPicPr>
+            <a:picLocks noChangeAspect="1"/>
+          </p:cNvPicPr>
+          <p:nvPr/>
+        </p:nvPicPr>
+        <p:blipFill>
+          <a:blip r:embed="rId9">
+            <a:extLst>
+              <a:ext uri="{28A0092B-C50C-407E-A947-70E740481C1C}">
+                <a14:useLocalDpi xmlns:a14="http://schemas.microsoft.com/office/drawing/2010/main" val="0"/>
+              </a:ext>
+              <a:ext uri="{837473B0-CC2E-450A-ABE3-18F120FF3D39}">
+                <a1611:picAttrSrcUrl xmlns:a1611="http://schemas.microsoft.com/office/drawing/2016/11/main" r:id="rId10"/>
+              </a:ext>
+            </a:extLst>
+          </a:blip>
+          <a:stretch>
+            <a:fillRect/>
+          </a:stretch>
+        </p:blipFill>
+        <p:spPr>
+          <a:xfrm>
+            <a:off x="8589914" y="4403450"/>
+            <a:ext cx="3248352" cy="754764"/>
+          </a:xfrm>
+          <a:prstGeom prst="rect">
+            <a:avLst/>
+          </a:prstGeom>
+        </p:spPr>
+      </p:pic>
+      <p:sp>
+        <p:nvSpPr>
+          <p:cNvPr id="4" name="Footer Placeholder 3">
+            <a:extLst>
+              <a:ext uri="{FF2B5EF4-FFF2-40B4-BE49-F238E27FC236}">
+                <a16:creationId xmlns:a16="http://schemas.microsoft.com/office/drawing/2014/main" id="{44290C48-DEB0-47DD-A944-68C962896FC8}"/>
+              </a:ext>
+            </a:extLst>
+          </p:cNvPr>
+          <p:cNvSpPr>
+            <a:spLocks noGrp="1"/>
+          </p:cNvSpPr>
+          <p:nvPr>
+            <p:ph type="ftr" sz="quarter" idx="11"/>
+          </p:nvPr>
+        </p:nvSpPr>
+        <p:spPr>
+          <a:xfrm>
+            <a:off x="4038600" y="6356350"/>
+            <a:ext cx="4114800" cy="365125"/>
+          </a:xfrm>
+        </p:spPr>
+        <p:txBody>
+          <a:bodyPr>
+            <a:normAutofit/>
+          </a:bodyPr>
+          <a:lstStyle/>
+          <a:p>
+            <a:pPr>
+              <a:spcAft>
+                <a:spcPts val="600"/>
+              </a:spcAft>
+            </a:pPr>
+            <a:r>
+              <a:rPr lang="en-US">
+                <a:solidFill>
+                  <a:schemeClr val="tx1">
+                    <a:lumMod val="50000"/>
+                    <a:lumOff val="50000"/>
+                  </a:schemeClr>
+                </a:solidFill>
+              </a:rPr>
+              <a:t>Mike Nguyen</a:t>
+            </a:r>
+          </a:p>
+        </p:txBody>
+      </p:sp>
+      <p:sp>
+        <p:nvSpPr>
+          <p:cNvPr id="5" name="Slide Number Placeholder 4">
+            <a:extLst>
+              <a:ext uri="{FF2B5EF4-FFF2-40B4-BE49-F238E27FC236}">
+                <a16:creationId xmlns:a16="http://schemas.microsoft.com/office/drawing/2014/main" id="{8EAC4F05-C011-42D5-8856-CD071231ACF8}"/>
+              </a:ext>
+            </a:extLst>
+          </p:cNvPr>
+          <p:cNvSpPr>
+            <a:spLocks noGrp="1"/>
+          </p:cNvSpPr>
+          <p:nvPr>
+            <p:ph type="sldNum" sz="quarter" idx="12"/>
+          </p:nvPr>
+        </p:nvSpPr>
+        <p:spPr>
+          <a:xfrm>
+            <a:off x="8610600" y="6356350"/>
+            <a:ext cx="2743200" cy="365125"/>
+          </a:xfrm>
+        </p:spPr>
+        <p:txBody>
+          <a:bodyPr>
+            <a:normAutofit/>
+          </a:bodyPr>
+          <a:lstStyle/>
+          <a:p>
+            <a:pPr>
+              <a:spcAft>
+                <a:spcPts val="600"/>
+              </a:spcAft>
+            </a:pPr>
+            <a:fld id="{A6AF1B4E-90EC-4A51-B6E5-B702C054ECB0}" type="slidenum">
+              <a:rPr lang="en-US">
+                <a:solidFill>
+                  <a:schemeClr val="tx1">
+                    <a:lumMod val="50000"/>
+                    <a:lumOff val="50000"/>
+                  </a:schemeClr>
+                </a:solidFill>
+              </a:rPr>
+              <a:pPr>
+                <a:spcAft>
+                  <a:spcPts val="600"/>
+                </a:spcAft>
+              </a:pPr>
+              <a:t>17</a:t>
+            </a:fld>
+            <a:endParaRPr lang="en-US">
+              <a:solidFill>
+                <a:schemeClr val="tx1">
+                  <a:lumMod val="50000"/>
+                  <a:lumOff val="50000"/>
+                </a:schemeClr>
+              </a:solidFill>
+            </a:endParaRPr>
+          </a:p>
+        </p:txBody>
+      </p:sp>
+      <p:sp>
+        <p:nvSpPr>
+          <p:cNvPr id="8" name="TextBox 7">
+            <a:extLst>
+              <a:ext uri="{FF2B5EF4-FFF2-40B4-BE49-F238E27FC236}">
+                <a16:creationId xmlns:a16="http://schemas.microsoft.com/office/drawing/2014/main" id="{3B8A866B-6D68-421C-A4B0-281123832130}"/>
+              </a:ext>
+            </a:extLst>
+          </p:cNvPr>
+          <p:cNvSpPr txBox="1"/>
+          <p:nvPr/>
+        </p:nvSpPr>
+        <p:spPr>
+          <a:xfrm>
+            <a:off x="6174576" y="2898409"/>
+            <a:ext cx="2307042" cy="200055"/>
+          </a:xfrm>
+          <a:prstGeom prst="rect">
+            <a:avLst/>
+          </a:prstGeom>
+          <a:solidFill>
+            <a:srgbClr val="000000"/>
+          </a:solidFill>
+        </p:spPr>
+        <p:txBody>
+          <a:bodyPr wrap="none" rtlCol="0">
+            <a:spAutoFit/>
+          </a:bodyPr>
+          <a:lstStyle/>
+          <a:p>
+            <a:pPr algn="r">
+              <a:spcAft>
+                <a:spcPts val="600"/>
+              </a:spcAft>
+            </a:pPr>
+            <a:r>
+              <a:rPr lang="en-US" sz="700">
+                <a:solidFill>
+                  <a:srgbClr val="FFFFFF"/>
+                </a:solidFill>
+                <a:hlinkClick r:id="rId4" tooltip="https://en.wikipedia.org/wiki/R_(programming_language)">
+                  <a:extLst>
+                    <a:ext uri="{A12FA001-AC4F-418D-AE19-62706E023703}">
+                      <ahyp:hlinkClr xmlns:ahyp="http://schemas.microsoft.com/office/drawing/2018/hyperlinkcolor" val="tx"/>
+                    </a:ext>
+                  </a:extLst>
+                </a:hlinkClick>
+              </a:rPr>
+              <a:t>This Photo</a:t>
+            </a:r>
+            <a:r>
+              <a:rPr lang="en-US" sz="700">
+                <a:solidFill>
+                  <a:srgbClr val="FFFFFF"/>
+                </a:solidFill>
+              </a:rPr>
+              <a:t> by Unknown Author is licensed under </a:t>
+            </a:r>
+            <a:r>
+              <a:rPr lang="en-US" sz="700">
+                <a:solidFill>
+                  <a:srgbClr val="FFFFFF"/>
+                </a:solidFill>
+                <a:hlinkClick r:id="rId11" tooltip="https://creativecommons.org/licenses/by-sa/3.0/">
+                  <a:extLst>
+                    <a:ext uri="{A12FA001-AC4F-418D-AE19-62706E023703}">
+                      <ahyp:hlinkClr xmlns:ahyp="http://schemas.microsoft.com/office/drawing/2018/hyperlinkcolor" val="tx"/>
+                    </a:ext>
+                  </a:extLst>
+                </a:hlinkClick>
+              </a:rPr>
+              <a:t>CC BY-SA</a:t>
+            </a:r>
+            <a:endParaRPr lang="en-US" sz="700">
+              <a:solidFill>
+                <a:srgbClr val="FFFFFF"/>
+              </a:solidFill>
+            </a:endParaRPr>
+          </a:p>
+        </p:txBody>
+      </p:sp>
+      <p:sp>
+        <p:nvSpPr>
+          <p:cNvPr id="11" name="TextBox 10">
+            <a:extLst>
+              <a:ext uri="{FF2B5EF4-FFF2-40B4-BE49-F238E27FC236}">
+                <a16:creationId xmlns:a16="http://schemas.microsoft.com/office/drawing/2014/main" id="{1D02DEAD-B1F9-4554-B6EA-DA6E31559CE3}"/>
+              </a:ext>
+            </a:extLst>
+          </p:cNvPr>
+          <p:cNvSpPr txBox="1"/>
+          <p:nvPr/>
+        </p:nvSpPr>
+        <p:spPr>
+          <a:xfrm>
+            <a:off x="6294803" y="5788191"/>
+            <a:ext cx="2186817" cy="200055"/>
+          </a:xfrm>
+          <a:prstGeom prst="rect">
+            <a:avLst/>
+          </a:prstGeom>
+          <a:solidFill>
+            <a:srgbClr val="000000"/>
+          </a:solidFill>
+        </p:spPr>
+        <p:txBody>
+          <a:bodyPr wrap="none" rtlCol="0">
+            <a:spAutoFit/>
+          </a:bodyPr>
+          <a:lstStyle/>
+          <a:p>
+            <a:pPr algn="r">
+              <a:spcAft>
+                <a:spcPts val="600"/>
+              </a:spcAft>
+            </a:pPr>
+            <a:r>
+              <a:rPr lang="en-US" sz="700">
+                <a:solidFill>
+                  <a:srgbClr val="FFFFFF"/>
+                </a:solidFill>
+                <a:hlinkClick r:id="rId8" tooltip="https://galaxyproject.github.io/training-material/topics/galaxy-interface/tutorials/rstudio/tutorial.html">
+                  <a:extLst>
+                    <a:ext uri="{A12FA001-AC4F-418D-AE19-62706E023703}">
+                      <ahyp:hlinkClr xmlns:ahyp="http://schemas.microsoft.com/office/drawing/2018/hyperlinkcolor" val="tx"/>
+                    </a:ext>
+                  </a:extLst>
+                </a:hlinkClick>
+              </a:rPr>
+              <a:t>This Photo</a:t>
+            </a:r>
+            <a:r>
+              <a:rPr lang="en-US" sz="700">
+                <a:solidFill>
+                  <a:srgbClr val="FFFFFF"/>
+                </a:solidFill>
+              </a:rPr>
+              <a:t> by Unknown Author is licensed under </a:t>
+            </a:r>
+            <a:r>
+              <a:rPr lang="en-US" sz="700">
+                <a:solidFill>
+                  <a:srgbClr val="FFFFFF"/>
+                </a:solidFill>
+                <a:hlinkClick r:id="rId12" tooltip="https://creativecommons.org/licenses/by/3.0/">
+                  <a:extLst>
+                    <a:ext uri="{A12FA001-AC4F-418D-AE19-62706E023703}">
+                      <ahyp:hlinkClr xmlns:ahyp="http://schemas.microsoft.com/office/drawing/2018/hyperlinkcolor" val="tx"/>
+                    </a:ext>
+                  </a:extLst>
+                </a:hlinkClick>
+              </a:rPr>
+              <a:t>CC BY</a:t>
+            </a:r>
+            <a:endParaRPr lang="en-US" sz="700">
+              <a:solidFill>
+                <a:srgbClr val="FFFFFF"/>
+              </a:solidFill>
+            </a:endParaRPr>
+          </a:p>
+        </p:txBody>
+      </p:sp>
+      <p:sp>
+        <p:nvSpPr>
+          <p:cNvPr id="17" name="TextBox 16">
+            <a:extLst>
+              <a:ext uri="{FF2B5EF4-FFF2-40B4-BE49-F238E27FC236}">
+                <a16:creationId xmlns:a16="http://schemas.microsoft.com/office/drawing/2014/main" id="{964B9AB1-A707-4C39-AD04-FF40049D4D45}"/>
+              </a:ext>
+            </a:extLst>
+          </p:cNvPr>
+          <p:cNvSpPr txBox="1"/>
+          <p:nvPr/>
+        </p:nvSpPr>
+        <p:spPr>
+          <a:xfrm>
+            <a:off x="9531224" y="2658845"/>
+            <a:ext cx="2307042" cy="200055"/>
+          </a:xfrm>
+          <a:prstGeom prst="rect">
+            <a:avLst/>
+          </a:prstGeom>
+          <a:solidFill>
+            <a:srgbClr val="000000"/>
+          </a:solidFill>
+        </p:spPr>
+        <p:txBody>
+          <a:bodyPr wrap="none" rtlCol="0">
+            <a:spAutoFit/>
+          </a:bodyPr>
+          <a:lstStyle/>
+          <a:p>
+            <a:pPr algn="r">
+              <a:spcAft>
+                <a:spcPts val="600"/>
+              </a:spcAft>
+            </a:pPr>
+            <a:r>
+              <a:rPr lang="en-US" sz="700">
+                <a:solidFill>
+                  <a:srgbClr val="FFFFFF"/>
+                </a:solidFill>
+                <a:hlinkClick r:id="rId6" tooltip="https://hikaru1122.hatenadiary.jp/entry/2017/11/26/222452">
+                  <a:extLst>
+                    <a:ext uri="{A12FA001-AC4F-418D-AE19-62706E023703}">
+                      <ahyp:hlinkClr xmlns:ahyp="http://schemas.microsoft.com/office/drawing/2018/hyperlinkcolor" val="tx"/>
+                    </a:ext>
+                  </a:extLst>
+                </a:hlinkClick>
+              </a:rPr>
+              <a:t>This Photo</a:t>
+            </a:r>
+            <a:r>
+              <a:rPr lang="en-US" sz="700">
+                <a:solidFill>
+                  <a:srgbClr val="FFFFFF"/>
+                </a:solidFill>
+              </a:rPr>
+              <a:t> by Unknown Author is licensed under </a:t>
+            </a:r>
+            <a:r>
+              <a:rPr lang="en-US" sz="700">
+                <a:solidFill>
+                  <a:srgbClr val="FFFFFF"/>
+                </a:solidFill>
+                <a:hlinkClick r:id="rId11" tooltip="https://creativecommons.org/licenses/by-sa/3.0/">
+                  <a:extLst>
+                    <a:ext uri="{A12FA001-AC4F-418D-AE19-62706E023703}">
+                      <ahyp:hlinkClr xmlns:ahyp="http://schemas.microsoft.com/office/drawing/2018/hyperlinkcolor" val="tx"/>
+                    </a:ext>
+                  </a:extLst>
+                </a:hlinkClick>
+              </a:rPr>
+              <a:t>CC BY-SA</a:t>
+            </a:r>
+            <a:endParaRPr lang="en-US" sz="700">
+              <a:solidFill>
+                <a:srgbClr val="FFFFFF"/>
+              </a:solidFill>
+            </a:endParaRPr>
+          </a:p>
+        </p:txBody>
+      </p:sp>
+      <p:sp>
+        <p:nvSpPr>
+          <p:cNvPr id="20" name="TextBox 19">
+            <a:extLst>
+              <a:ext uri="{FF2B5EF4-FFF2-40B4-BE49-F238E27FC236}">
+                <a16:creationId xmlns:a16="http://schemas.microsoft.com/office/drawing/2014/main" id="{08A8B486-6A16-4D44-867A-83E926F1B3FA}"/>
+              </a:ext>
+            </a:extLst>
+          </p:cNvPr>
+          <p:cNvSpPr txBox="1"/>
+          <p:nvPr/>
+        </p:nvSpPr>
+        <p:spPr>
+          <a:xfrm>
+            <a:off x="9531224" y="4958159"/>
+            <a:ext cx="2307042" cy="200055"/>
+          </a:xfrm>
+          <a:prstGeom prst="rect">
+            <a:avLst/>
+          </a:prstGeom>
+          <a:solidFill>
+            <a:srgbClr val="000000"/>
+          </a:solidFill>
+        </p:spPr>
+        <p:txBody>
+          <a:bodyPr wrap="none" rtlCol="0">
+            <a:spAutoFit/>
+          </a:bodyPr>
+          <a:lstStyle/>
+          <a:p>
+            <a:pPr algn="r">
+              <a:spcAft>
+                <a:spcPts val="600"/>
+              </a:spcAft>
+            </a:pPr>
+            <a:r>
+              <a:rPr lang="en-US" sz="700">
+                <a:solidFill>
+                  <a:srgbClr val="FFFFFF"/>
+                </a:solidFill>
+                <a:hlinkClick r:id="rId10" tooltip="https://psyteachr.github.io/ug1-practical/cloud.html">
+                  <a:extLst>
+                    <a:ext uri="{A12FA001-AC4F-418D-AE19-62706E023703}">
+                      <ahyp:hlinkClr xmlns:ahyp="http://schemas.microsoft.com/office/drawing/2018/hyperlinkcolor" val="tx"/>
+                    </a:ext>
+                  </a:extLst>
+                </a:hlinkClick>
+              </a:rPr>
+              <a:t>This Photo</a:t>
+            </a:r>
+            <a:r>
+              <a:rPr lang="en-US" sz="700">
+                <a:solidFill>
+                  <a:srgbClr val="FFFFFF"/>
+                </a:solidFill>
+              </a:rPr>
+              <a:t> by Unknown Author is licensed under </a:t>
+            </a:r>
+            <a:r>
+              <a:rPr lang="en-US" sz="700">
+                <a:solidFill>
+                  <a:srgbClr val="FFFFFF"/>
+                </a:solidFill>
+                <a:hlinkClick r:id="rId11" tooltip="https://creativecommons.org/licenses/by-sa/3.0/">
+                  <a:extLst>
+                    <a:ext uri="{A12FA001-AC4F-418D-AE19-62706E023703}">
+                      <ahyp:hlinkClr xmlns:ahyp="http://schemas.microsoft.com/office/drawing/2018/hyperlinkcolor" val="tx"/>
+                    </a:ext>
+                  </a:extLst>
+                </a:hlinkClick>
+              </a:rPr>
+              <a:t>CC BY-SA</a:t>
+            </a:r>
+            <a:endParaRPr lang="en-US" sz="700">
+              <a:solidFill>
+                <a:srgbClr val="FFFFFF"/>
+              </a:solidFill>
+            </a:endParaRPr>
+          </a:p>
+        </p:txBody>
+      </p:sp>
+    </p:spTree>
+    <p:extLst>
+      <p:ext uri="{BB962C8B-B14F-4D97-AF65-F5344CB8AC3E}">
+        <p14:creationId xmlns:p14="http://schemas.microsoft.com/office/powerpoint/2010/main" val="1193458997"/>
+      </p:ext>
+    </p:extLst>
+  </p:cSld>
+  <p:clrMapOvr>
+    <a:masterClrMapping/>
+  </p:clrMapOvr>
+</p:sld>
+</file>
+
+<file path=ppt/slides/slide18.xml><?xml version="1.0" encoding="utf-8"?>
+<p:sld xmlns:a="http://schemas.openxmlformats.org/drawingml/2006/main" xmlns:r="http://schemas.openxmlformats.org/officeDocument/2006/relationships" xmlns:p="http://schemas.openxmlformats.org/presentationml/2006/main">
+  <p:cSld>
+    <p:bg>
+      <p:bgPr>
+        <a:solidFill>
+          <a:schemeClr val="bg1"/>
+        </a:solidFill>
+        <a:effectLst/>
+      </p:bgPr>
+    </p:bg>
+    <p:spTree>
+      <p:nvGrpSpPr>
+        <p:cNvPr id="1" name=""/>
+        <p:cNvGrpSpPr/>
+        <p:nvPr/>
+      </p:nvGrpSpPr>
+      <p:grpSpPr>
+        <a:xfrm>
+          <a:off x="0" y="0"/>
+          <a:ext cx="0" cy="0"/>
+          <a:chOff x="0" y="0"/>
+          <a:chExt cx="0" cy="0"/>
+        </a:xfrm>
+      </p:grpSpPr>
       <p:sp>
         <p:nvSpPr>
           <p:cNvPr id="73" name="Rectangle 72">
@@ -13007,7 +14146,7 @@
                   <a:spcPts val="600"/>
                 </a:spcAft>
               </a:pPr>
-              <a:t>17</a:t>
+              <a:t>18</a:t>
             </a:fld>
             <a:endParaRPr lang="en-US"/>
           </a:p>
@@ -20253,20 +21392,20 @@
 </file>
 
 <file path=customXml/item2.xml><?xml version="1.0" encoding="utf-8"?>
+<p:properties xmlns:p="http://schemas.microsoft.com/office/2006/metadata/properties" xmlns:xsi="http://www.w3.org/2001/XMLSchema-instance" xmlns:pc="http://schemas.microsoft.com/office/infopath/2007/PartnerControls">
+  <documentManagement>
+    <MediaServiceKeyPoints xmlns="71af3243-3dd4-4a8d-8c0d-dd76da1f02a5" xsi:nil="true"/>
+  </documentManagement>
+</p:properties>
+</file>
+
+<file path=customXml/item3.xml><?xml version="1.0" encoding="utf-8"?>
 <?mso-contentType ?>
 <FormTemplates xmlns="http://schemas.microsoft.com/sharepoint/v3/contenttype/forms">
   <Display>DocumentLibraryForm</Display>
   <Edit>DocumentLibraryForm</Edit>
   <New>DocumentLibraryForm</New>
 </FormTemplates>
-</file>
-
-<file path=customXml/item3.xml><?xml version="1.0" encoding="utf-8"?>
-<p:properties xmlns:p="http://schemas.microsoft.com/office/2006/metadata/properties" xmlns:xsi="http://www.w3.org/2001/XMLSchema-instance" xmlns:pc="http://schemas.microsoft.com/office/infopath/2007/PartnerControls">
-  <documentManagement>
-    <MediaServiceKeyPoints xmlns="71af3243-3dd4-4a8d-8c0d-dd76da1f02a5" xsi:nil="true"/>
-  </documentManagement>
-</p:properties>
 </file>
 
 <file path=customXml/itemProps1.xml><?xml version="1.0" encoding="utf-8"?>
@@ -20289,14 +21428,6 @@
 </file>
 
 <file path=customXml/itemProps2.xml><?xml version="1.0" encoding="utf-8"?>
-<ds:datastoreItem xmlns:ds="http://schemas.openxmlformats.org/officeDocument/2006/customXml" ds:itemID="{5CA875DA-F9FD-4F83-A049-3B1027B542DE}">
-  <ds:schemaRefs>
-    <ds:schemaRef ds:uri="http://schemas.microsoft.com/sharepoint/v3/contenttype/forms"/>
-  </ds:schemaRefs>
-</ds:datastoreItem>
-</file>
-
-<file path=customXml/itemProps3.xml><?xml version="1.0" encoding="utf-8"?>
 <ds:datastoreItem xmlns:ds="http://schemas.openxmlformats.org/officeDocument/2006/customXml" ds:itemID="{03C7D9E6-B0D9-433E-BD46-EB60F64F4DA8}">
   <ds:schemaRefs>
     <ds:schemaRef ds:uri="http://schemas.microsoft.com/office/2006/metadata/properties"/>
@@ -20304,4 +21435,12 @@
     <ds:schemaRef ds:uri="71af3243-3dd4-4a8d-8c0d-dd76da1f02a5"/>
   </ds:schemaRefs>
 </ds:datastoreItem>
+</file>
+
+<file path=customXml/itemProps3.xml><?xml version="1.0" encoding="utf-8"?>
+<ds:datastoreItem xmlns:ds="http://schemas.openxmlformats.org/officeDocument/2006/customXml" ds:itemID="{5CA875DA-F9FD-4F83-A049-3B1027B542DE}">
+  <ds:schemaRefs>
+    <ds:schemaRef ds:uri="http://schemas.microsoft.com/sharepoint/v3/contenttype/forms"/>
+  </ds:schemaRefs>
+</ds:datastoreItem>
 </file>